--- a/skeic-02-20221111.pptx
+++ b/skeic-02-20221111.pptx
@@ -5,30 +5,32 @@
     <p:sldMasterId id="2147483648" r:id="rId1"/>
   </p:sldMasterIdLst>
   <p:notesMasterIdLst>
-    <p:notesMasterId r:id="rId23"/>
+    <p:notesMasterId r:id="rId25"/>
   </p:notesMasterIdLst>
   <p:sldIdLst>
     <p:sldId id="302" r:id="rId2"/>
-    <p:sldId id="256" r:id="rId3"/>
-    <p:sldId id="270" r:id="rId4"/>
-    <p:sldId id="271" r:id="rId5"/>
-    <p:sldId id="272" r:id="rId6"/>
-    <p:sldId id="273" r:id="rId7"/>
-    <p:sldId id="274" r:id="rId8"/>
-    <p:sldId id="275" r:id="rId9"/>
-    <p:sldId id="276" r:id="rId10"/>
-    <p:sldId id="277" r:id="rId11"/>
-    <p:sldId id="278" r:id="rId12"/>
-    <p:sldId id="279" r:id="rId13"/>
-    <p:sldId id="280" r:id="rId14"/>
-    <p:sldId id="300" r:id="rId15"/>
-    <p:sldId id="301" r:id="rId16"/>
-    <p:sldId id="296" r:id="rId17"/>
-    <p:sldId id="297" r:id="rId18"/>
-    <p:sldId id="298" r:id="rId19"/>
-    <p:sldId id="299" r:id="rId20"/>
-    <p:sldId id="303" r:id="rId21"/>
-    <p:sldId id="304" r:id="rId22"/>
+    <p:sldId id="305" r:id="rId3"/>
+    <p:sldId id="306" r:id="rId4"/>
+    <p:sldId id="256" r:id="rId5"/>
+    <p:sldId id="270" r:id="rId6"/>
+    <p:sldId id="271" r:id="rId7"/>
+    <p:sldId id="272" r:id="rId8"/>
+    <p:sldId id="273" r:id="rId9"/>
+    <p:sldId id="274" r:id="rId10"/>
+    <p:sldId id="275" r:id="rId11"/>
+    <p:sldId id="276" r:id="rId12"/>
+    <p:sldId id="277" r:id="rId13"/>
+    <p:sldId id="278" r:id="rId14"/>
+    <p:sldId id="279" r:id="rId15"/>
+    <p:sldId id="280" r:id="rId16"/>
+    <p:sldId id="300" r:id="rId17"/>
+    <p:sldId id="301" r:id="rId18"/>
+    <p:sldId id="296" r:id="rId19"/>
+    <p:sldId id="297" r:id="rId20"/>
+    <p:sldId id="298" r:id="rId21"/>
+    <p:sldId id="299" r:id="rId22"/>
+    <p:sldId id="303" r:id="rId23"/>
+    <p:sldId id="304" r:id="rId24"/>
   </p:sldIdLst>
   <p:sldSz cx="10160000" cy="7620000"/>
   <p:notesSz cx="6858000" cy="9144000"/>
@@ -524,7 +526,7 @@
           </a:ln>
           <a:extLst>
             <a:ext uri="{C572A759-6A51-4108-AA02-DFA0A04FC94B}">
-              <ma14:wrappingTextBoxFlag xmlns:ma14="http://schemas.microsoft.com/office/mac/drawingml/2011/main" xmlns="" val="1"/>
+              <ma14:wrappingTextBoxFlag xmlns="" xmlns:ma14="http://schemas.microsoft.com/office/mac/drawingml/2011/main" val="1"/>
             </a:ext>
           </a:extLst>
         </p:spPr>
@@ -567,9 +569,7 @@
           <p:nvPr/>
         </p:nvPicPr>
         <p:blipFill>
-          <a:blip r:embed="rId2">
-            <a:extLst/>
-          </a:blip>
+          <a:blip r:embed="rId2"/>
           <a:stretch>
             <a:fillRect/>
           </a:stretch>
@@ -606,7 +606,7 @@
           </a:ln>
           <a:extLst>
             <a:ext uri="{C572A759-6A51-4108-AA02-DFA0A04FC94B}">
-              <ma14:wrappingTextBoxFlag xmlns:ma14="http://schemas.microsoft.com/office/mac/drawingml/2011/main" xmlns="" val="1"/>
+              <ma14:wrappingTextBoxFlag xmlns="" xmlns:ma14="http://schemas.microsoft.com/office/mac/drawingml/2011/main" val="1"/>
             </a:ext>
           </a:extLst>
         </p:spPr>
@@ -819,7 +819,7 @@
           </a:ln>
           <a:extLst>
             <a:ext uri="{C572A759-6A51-4108-AA02-DFA0A04FC94B}">
-              <ma14:wrappingTextBoxFlag xmlns:ma14="http://schemas.microsoft.com/office/mac/drawingml/2011/main" xmlns="" val="1"/>
+              <ma14:wrappingTextBoxFlag xmlns="" xmlns:ma14="http://schemas.microsoft.com/office/mac/drawingml/2011/main" val="1"/>
             </a:ext>
           </a:extLst>
         </p:spPr>
@@ -862,9 +862,7 @@
           <p:nvPr/>
         </p:nvPicPr>
         <p:blipFill>
-          <a:blip r:embed="rId2">
-            <a:extLst/>
-          </a:blip>
+          <a:blip r:embed="rId2"/>
           <a:stretch>
             <a:fillRect/>
           </a:stretch>
@@ -901,7 +899,7 @@
           </a:ln>
           <a:extLst>
             <a:ext uri="{C572A759-6A51-4108-AA02-DFA0A04FC94B}">
-              <ma14:wrappingTextBoxFlag xmlns:ma14="http://schemas.microsoft.com/office/mac/drawingml/2011/main" xmlns="" val="1"/>
+              <ma14:wrappingTextBoxFlag xmlns="" xmlns:ma14="http://schemas.microsoft.com/office/mac/drawingml/2011/main" val="1"/>
             </a:ext>
           </a:extLst>
         </p:spPr>
@@ -1126,7 +1124,7 @@
           </a:ln>
           <a:extLst>
             <a:ext uri="{C572A759-6A51-4108-AA02-DFA0A04FC94B}">
-              <ma14:wrappingTextBoxFlag xmlns:ma14="http://schemas.microsoft.com/office/mac/drawingml/2011/main" xmlns="" val="1"/>
+              <ma14:wrappingTextBoxFlag xmlns="" xmlns:ma14="http://schemas.microsoft.com/office/mac/drawingml/2011/main" val="1"/>
             </a:ext>
           </a:extLst>
         </p:spPr>
@@ -1175,7 +1173,7 @@
           </a:ln>
           <a:extLst>
             <a:ext uri="{C572A759-6A51-4108-AA02-DFA0A04FC94B}">
-              <ma14:wrappingTextBoxFlag xmlns:ma14="http://schemas.microsoft.com/office/mac/drawingml/2011/main" xmlns="" val="1"/>
+              <ma14:wrappingTextBoxFlag xmlns="" xmlns:ma14="http://schemas.microsoft.com/office/mac/drawingml/2011/main" val="1"/>
             </a:ext>
           </a:extLst>
         </p:spPr>
@@ -1810,6 +1808,587 @@
       </p:grpSpPr>
       <p:sp>
         <p:nvSpPr>
+          <p:cNvPr id="168" name="Shape 168"/>
+          <p:cNvSpPr>
+            <a:spLocks noGrp="1"/>
+          </p:cNvSpPr>
+          <p:nvPr>
+            <p:ph type="title"/>
+          </p:nvPr>
+        </p:nvSpPr>
+        <p:spPr>
+          <a:prstGeom prst="rect">
+            <a:avLst/>
+          </a:prstGeom>
+        </p:spPr>
+        <p:txBody>
+          <a:bodyPr/>
+          <a:lstStyle/>
+          <a:p>
+            <a:pPr lvl="0">
+              <a:defRPr sz="1800" b="0">
+                <a:solidFill>
+                  <a:srgbClr val="000000"/>
+                </a:solidFill>
+              </a:defRPr>
+            </a:pPr>
+            <a:r>
+              <a:rPr sz="3600" b="1">
+                <a:solidFill>
+                  <a:srgbClr val="007D64"/>
+                </a:solidFill>
+              </a:rPr>
+              <a:t>Variables (cont’d)</a:t>
+            </a:r>
+          </a:p>
+        </p:txBody>
+      </p:sp>
+      <p:sp>
+        <p:nvSpPr>
+          <p:cNvPr id="169" name="Shape 169"/>
+          <p:cNvSpPr>
+            <a:spLocks noGrp="1"/>
+          </p:cNvSpPr>
+          <p:nvPr>
+            <p:ph type="body" idx="1"/>
+          </p:nvPr>
+        </p:nvSpPr>
+        <p:spPr>
+          <a:prstGeom prst="rect">
+            <a:avLst/>
+          </a:prstGeom>
+        </p:spPr>
+        <p:txBody>
+          <a:bodyPr/>
+          <a:lstStyle/>
+          <a:p>
+            <a:pPr lvl="0">
+              <a:defRPr sz="1800"/>
+            </a:pPr>
+            <a:r>
+              <a:rPr sz="2000"/>
+              <a:t>Suppose you measure one edge of the square to get </a:t>
+            </a:r>
+            <a:r>
+              <a:rPr sz="2000" i="1">
+                <a:latin typeface="Palatino"/>
+                <a:ea typeface="Palatino"/>
+                <a:cs typeface="Palatino"/>
+                <a:sym typeface="Palatino"/>
+              </a:rPr>
+              <a:t>x</a:t>
+            </a:r>
+            <a:r>
+              <a:rPr sz="2000"/>
+              <a:t> = 109 cm</a:t>
+            </a:r>
+          </a:p>
+          <a:p>
+            <a:pPr lvl="0">
+              <a:defRPr sz="1800"/>
+            </a:pPr>
+            <a:r>
+              <a:rPr sz="2000"/>
+              <a:t>Python can compute the area for you:</a:t>
+            </a:r>
+          </a:p>
+          <a:p>
+            <a:pPr marL="0" lvl="1" indent="317500">
+              <a:buSzTx/>
+              <a:buNone/>
+              <a:defRPr sz="1800"/>
+            </a:pPr>
+            <a:r>
+              <a:t>&gt;&gt;&gt; </a:t>
+            </a:r>
+            <a:r>
+              <a:rPr>
+                <a:solidFill>
+                  <a:srgbClr val="007D64"/>
+                </a:solidFill>
+              </a:rPr>
+              <a:t>109 * 109 - ((109/2)*(109/2) / 2)</a:t>
+            </a:r>
+            <a:br/>
+            <a:r>
+              <a:t>10395.875</a:t>
+            </a:r>
+            <a:endParaRPr>
+              <a:latin typeface="Courier"/>
+              <a:ea typeface="Courier"/>
+              <a:cs typeface="Courier"/>
+              <a:sym typeface="Courier"/>
+            </a:endParaRPr>
+          </a:p>
+          <a:p>
+            <a:pPr lvl="0">
+              <a:spcBef>
+                <a:spcPts val="2600"/>
+              </a:spcBef>
+              <a:defRPr sz="1800"/>
+            </a:pPr>
+            <a:r>
+              <a:rPr sz="2000"/>
+              <a:t>You can simplify this a little bit by using the exponentiation operator</a:t>
+            </a:r>
+          </a:p>
+          <a:p>
+            <a:pPr lvl="1">
+              <a:defRPr sz="1800"/>
+            </a:pPr>
+            <a:r>
+              <a:rPr sz="1600"/>
+              <a:t>to compute  </a:t>
+            </a:r>
+            <a:r>
+              <a:rPr sz="1600" i="1">
+                <a:latin typeface="Helvetica Neue"/>
+                <a:ea typeface="Helvetica Neue"/>
+                <a:cs typeface="Helvetica Neue"/>
+                <a:sym typeface="Helvetica Neue"/>
+              </a:rPr>
+              <a:t>x</a:t>
+            </a:r>
+            <a:r>
+              <a:rPr sz="1600" i="1" baseline="31999">
+                <a:latin typeface="Helvetica Neue"/>
+                <a:ea typeface="Helvetica Neue"/>
+                <a:cs typeface="Helvetica Neue"/>
+                <a:sym typeface="Helvetica Neue"/>
+              </a:rPr>
+              <a:t>2</a:t>
+            </a:r>
+            <a:r>
+              <a:rPr sz="1600"/>
+              <a:t>  type  </a:t>
+            </a:r>
+            <a:r>
+              <a:rPr sz="1600">
+                <a:latin typeface="Courier"/>
+                <a:ea typeface="Courier"/>
+                <a:cs typeface="Courier"/>
+                <a:sym typeface="Courier"/>
+              </a:rPr>
+              <a:t>x**2</a:t>
+            </a:r>
+            <a:endParaRPr sz="1600"/>
+          </a:p>
+          <a:p>
+            <a:pPr marL="0" lvl="1" indent="317500">
+              <a:buSzTx/>
+              <a:buNone/>
+              <a:defRPr sz="1800"/>
+            </a:pPr>
+            <a:r>
+              <a:rPr>
+                <a:latin typeface="Courier"/>
+                <a:ea typeface="Courier"/>
+                <a:cs typeface="Courier"/>
+                <a:sym typeface="Courier"/>
+              </a:rPr>
+              <a:t>&gt;&gt;&gt; </a:t>
+            </a:r>
+            <a:r>
+              <a:rPr>
+                <a:solidFill>
+                  <a:srgbClr val="007D64"/>
+                </a:solidFill>
+                <a:latin typeface="Courier"/>
+                <a:ea typeface="Courier"/>
+                <a:cs typeface="Courier"/>
+                <a:sym typeface="Courier"/>
+              </a:rPr>
+              <a:t>109**2 - (109/2)**2 / 2</a:t>
+            </a:r>
+            <a:br>
+              <a:rPr>
+                <a:latin typeface="Courier"/>
+                <a:ea typeface="Courier"/>
+                <a:cs typeface="Courier"/>
+                <a:sym typeface="Courier"/>
+              </a:rPr>
+            </a:br>
+            <a:r>
+              <a:rPr>
+                <a:latin typeface="Courier"/>
+                <a:ea typeface="Courier"/>
+                <a:cs typeface="Courier"/>
+                <a:sym typeface="Courier"/>
+              </a:rPr>
+              <a:t>10395.875</a:t>
+            </a:r>
+          </a:p>
+        </p:txBody>
+      </p:sp>
+      <p:pic>
+        <p:nvPicPr>
+          <p:cNvPr id="170" name="droppedImage.pdf"/>
+          <p:cNvPicPr/>
+          <p:nvPr/>
+        </p:nvPicPr>
+        <p:blipFill>
+          <a:blip r:embed="rId2"/>
+          <a:stretch>
+            <a:fillRect/>
+          </a:stretch>
+        </p:blipFill>
+        <p:spPr>
+          <a:xfrm>
+            <a:off x="5295900" y="4991100"/>
+            <a:ext cx="3886200" cy="1193800"/>
+          </a:xfrm>
+          <a:prstGeom prst="rect">
+            <a:avLst/>
+          </a:prstGeom>
+          <a:ln w="12700">
+            <a:miter lim="400000"/>
+          </a:ln>
+        </p:spPr>
+      </p:pic>
+      <p:pic>
+        <p:nvPicPr>
+          <p:cNvPr id="171" name="image-180.pdf"/>
+          <p:cNvPicPr/>
+          <p:nvPr/>
+        </p:nvPicPr>
+        <p:blipFill>
+          <a:blip r:embed="rId3"/>
+          <a:stretch>
+            <a:fillRect/>
+          </a:stretch>
+        </p:blipFill>
+        <p:spPr>
+          <a:xfrm>
+            <a:off x="1638300" y="5422900"/>
+            <a:ext cx="2468639" cy="330201"/>
+          </a:xfrm>
+          <a:prstGeom prst="rect">
+            <a:avLst/>
+          </a:prstGeom>
+          <a:ln w="12700">
+            <a:miter lim="400000"/>
+          </a:ln>
+        </p:spPr>
+      </p:pic>
+    </p:spTree>
+  </p:cSld>
+  <p:clrMapOvr>
+    <a:masterClrMapping/>
+  </p:clrMapOvr>
+  <p:transition>
+    <p:dissolve/>
+  </p:transition>
+</p:sld>
+</file>
+
+<file path=ppt/slides/slide11.xml><?xml version="1.0" encoding="utf-8"?>
+<p:sld xmlns:a="http://schemas.openxmlformats.org/drawingml/2006/main" xmlns:r="http://schemas.openxmlformats.org/officeDocument/2006/relationships" xmlns:p="http://schemas.openxmlformats.org/presentationml/2006/main">
+  <p:cSld>
+    <p:spTree>
+      <p:nvGrpSpPr>
+        <p:cNvPr id="1" name=""/>
+        <p:cNvGrpSpPr/>
+        <p:nvPr/>
+      </p:nvGrpSpPr>
+      <p:grpSpPr>
+        <a:xfrm>
+          <a:off x="0" y="0"/>
+          <a:ext cx="0" cy="0"/>
+          <a:chOff x="0" y="0"/>
+          <a:chExt cx="0" cy="0"/>
+        </a:xfrm>
+      </p:grpSpPr>
+      <p:sp>
+        <p:nvSpPr>
+          <p:cNvPr id="173" name="Shape 173"/>
+          <p:cNvSpPr>
+            <a:spLocks noGrp="1"/>
+          </p:cNvSpPr>
+          <p:nvPr>
+            <p:ph type="title"/>
+          </p:nvPr>
+        </p:nvSpPr>
+        <p:spPr>
+          <a:prstGeom prst="rect">
+            <a:avLst/>
+          </a:prstGeom>
+        </p:spPr>
+        <p:txBody>
+          <a:bodyPr/>
+          <a:lstStyle/>
+          <a:p>
+            <a:pPr lvl="0">
+              <a:defRPr sz="1800" b="0">
+                <a:solidFill>
+                  <a:srgbClr val="000000"/>
+                </a:solidFill>
+              </a:defRPr>
+            </a:pPr>
+            <a:r>
+              <a:rPr sz="3600" b="1">
+                <a:solidFill>
+                  <a:srgbClr val="007D64"/>
+                </a:solidFill>
+              </a:rPr>
+              <a:t>Variables in Python</a:t>
+            </a:r>
+          </a:p>
+        </p:txBody>
+      </p:sp>
+      <p:sp>
+        <p:nvSpPr>
+          <p:cNvPr id="174" name="Shape 174"/>
+          <p:cNvSpPr>
+            <a:spLocks noGrp="1"/>
+          </p:cNvSpPr>
+          <p:nvPr>
+            <p:ph type="body" idx="1"/>
+          </p:nvPr>
+        </p:nvSpPr>
+        <p:spPr>
+          <a:xfrm>
+            <a:off x="508000" y="1733550"/>
+            <a:ext cx="8890000" cy="5321300"/>
+          </a:xfrm>
+          <a:prstGeom prst="rect">
+            <a:avLst/>
+          </a:prstGeom>
+        </p:spPr>
+        <p:txBody>
+          <a:bodyPr/>
+          <a:lstStyle/>
+          <a:p>
+            <a:pPr lvl="0">
+              <a:defRPr sz="1800"/>
+            </a:pPr>
+            <a:r>
+              <a:rPr sz="2000"/>
+              <a:t>You can make the equation even simpler by using a </a:t>
+            </a:r>
+            <a:r>
+              <a:rPr sz="2000" b="1" i="1"/>
+              <a:t>variable</a:t>
+            </a:r>
+            <a:endParaRPr sz="2000"/>
+          </a:p>
+          <a:p>
+            <a:pPr lvl="1">
+              <a:defRPr sz="1800"/>
+            </a:pPr>
+            <a:r>
+              <a:rPr sz="1600"/>
+              <a:t>create a value named </a:t>
+            </a:r>
+            <a:r>
+              <a:rPr sz="1600">
+                <a:latin typeface="Courier"/>
+                <a:ea typeface="Courier"/>
+                <a:cs typeface="Courier"/>
+                <a:sym typeface="Courier"/>
+              </a:rPr>
+              <a:t>x</a:t>
+            </a:r>
+            <a:r>
+              <a:rPr sz="1600"/>
+              <a:t>, and then write the equation using </a:t>
+            </a:r>
+            <a:r>
+              <a:rPr sz="1600">
+                <a:latin typeface="Courier"/>
+                <a:ea typeface="Courier"/>
+                <a:cs typeface="Courier"/>
+                <a:sym typeface="Courier"/>
+              </a:rPr>
+              <a:t>x</a:t>
+            </a:r>
+            <a:endParaRPr sz="1600"/>
+          </a:p>
+          <a:p>
+            <a:pPr marL="0" lvl="1" indent="317500">
+              <a:buSzTx/>
+              <a:buNone/>
+              <a:defRPr sz="1800"/>
+            </a:pPr>
+            <a:r>
+              <a:t>&gt;&gt;&gt; x = 109</a:t>
+            </a:r>
+          </a:p>
+          <a:p>
+            <a:pPr marL="0" lvl="1" indent="317500">
+              <a:buSzTx/>
+              <a:buNone/>
+              <a:defRPr sz="1800"/>
+            </a:pPr>
+            <a:r>
+              <a:t>&gt;&gt;&gt; </a:t>
+            </a:r>
+            <a:r>
+              <a:rPr>
+                <a:solidFill>
+                  <a:srgbClr val="007D64"/>
+                </a:solidFill>
+              </a:rPr>
+              <a:t>x**2 - (x/2)**2 / 2</a:t>
+            </a:r>
+            <a:br/>
+            <a:r>
+              <a:t>10395.875</a:t>
+            </a:r>
+            <a:endParaRPr>
+              <a:latin typeface="Courier"/>
+              <a:ea typeface="Courier"/>
+              <a:cs typeface="Courier"/>
+              <a:sym typeface="Courier"/>
+            </a:endParaRPr>
+          </a:p>
+          <a:p>
+            <a:pPr lvl="0">
+              <a:spcBef>
+                <a:spcPts val="4400"/>
+              </a:spcBef>
+              <a:defRPr sz="1800"/>
+            </a:pPr>
+            <a:r>
+              <a:rPr sz="2000"/>
+              <a:t>The first expression defines a variable named </a:t>
+            </a:r>
+            <a:r>
+              <a:rPr sz="2000">
+                <a:latin typeface="Courier"/>
+                <a:ea typeface="Courier"/>
+                <a:cs typeface="Courier"/>
+                <a:sym typeface="Courier"/>
+              </a:rPr>
+              <a:t>x</a:t>
+            </a:r>
+            <a:r>
+              <a:rPr sz="2000"/>
+              <a:t>, and the second uses the value of </a:t>
+            </a:r>
+            <a:r>
+              <a:rPr sz="2000">
+                <a:latin typeface="Courier"/>
+                <a:ea typeface="Courier"/>
+                <a:cs typeface="Courier"/>
+                <a:sym typeface="Courier"/>
+              </a:rPr>
+              <a:t>x</a:t>
+            </a:r>
+            <a:r>
+              <a:rPr sz="2000"/>
+              <a:t> to compute the area</a:t>
+            </a:r>
+          </a:p>
+          <a:p>
+            <a:pPr lvl="0">
+              <a:defRPr sz="1800"/>
+            </a:pPr>
+            <a:r>
+              <a:rPr sz="2000"/>
+              <a:t>An expression of the form “</a:t>
+            </a:r>
+            <a:r>
+              <a:rPr sz="2000">
+                <a:latin typeface="Courier"/>
+                <a:ea typeface="Courier"/>
+                <a:cs typeface="Courier"/>
+                <a:sym typeface="Courier"/>
+              </a:rPr>
+              <a:t>x = ...</a:t>
+            </a:r>
+            <a:r>
+              <a:rPr sz="2000"/>
+              <a:t>” is known as an </a:t>
+            </a:r>
+            <a:r>
+              <a:rPr sz="2000" b="1" i="1"/>
+              <a:t>assignment statement</a:t>
+            </a:r>
+          </a:p>
+          <a:p>
+            <a:pPr lvl="1">
+              <a:defRPr sz="1800"/>
+            </a:pPr>
+            <a:r>
+              <a:rPr sz="1600"/>
+              <a:t>put the name of a variable on the left side of the assignment operator</a:t>
+            </a:r>
+          </a:p>
+          <a:p>
+            <a:pPr lvl="1">
+              <a:defRPr sz="1800"/>
+            </a:pPr>
+            <a:r>
+              <a:rPr sz="1600"/>
+              <a:t>put any expression on the right side</a:t>
+            </a:r>
+          </a:p>
+          <a:p>
+            <a:pPr lvl="1">
+              <a:defRPr sz="1800"/>
+            </a:pPr>
+            <a:r>
+              <a:rPr sz="1600"/>
+              <a:t>Python evaluates the expression and saves the result</a:t>
+            </a:r>
+          </a:p>
+        </p:txBody>
+      </p:sp>
+      <p:pic>
+        <p:nvPicPr>
+          <p:cNvPr id="175" name="droppedImage.pdf"/>
+          <p:cNvPicPr/>
+          <p:nvPr/>
+        </p:nvPicPr>
+        <p:blipFill>
+          <a:blip r:embed="rId2"/>
+          <a:stretch>
+            <a:fillRect/>
+          </a:stretch>
+        </p:blipFill>
+        <p:spPr>
+          <a:xfrm>
+            <a:off x="7454900" y="2387600"/>
+            <a:ext cx="1993900" cy="1193800"/>
+          </a:xfrm>
+          <a:prstGeom prst="rect">
+            <a:avLst/>
+          </a:prstGeom>
+          <a:ln w="12700">
+            <a:miter lim="400000"/>
+          </a:ln>
+        </p:spPr>
+      </p:pic>
+    </p:spTree>
+  </p:cSld>
+  <p:clrMapOvr>
+    <a:masterClrMapping/>
+  </p:clrMapOvr>
+  <p:transition>
+    <p:dissolve/>
+  </p:transition>
+</p:sld>
+</file>
+
+<file path=ppt/slides/slide12.xml><?xml version="1.0" encoding="utf-8"?>
+<p:sld xmlns:a="http://schemas.openxmlformats.org/drawingml/2006/main" xmlns:r="http://schemas.openxmlformats.org/officeDocument/2006/relationships" xmlns:p="http://schemas.openxmlformats.org/presentationml/2006/main">
+  <p:cSld>
+    <p:spTree>
+      <p:nvGrpSpPr>
+        <p:cNvPr id="1" name=""/>
+        <p:cNvGrpSpPr/>
+        <p:nvPr/>
+      </p:nvGrpSpPr>
+      <p:grpSpPr>
+        <a:xfrm>
+          <a:off x="0" y="0"/>
+          <a:ext cx="0" cy="0"/>
+          <a:chOff x="0" y="0"/>
+          <a:chExt cx="0" cy="0"/>
+        </a:xfrm>
+      </p:grpSpPr>
+      <p:sp>
+        <p:nvSpPr>
           <p:cNvPr id="177" name="Shape 177"/>
           <p:cNvSpPr>
             <a:spLocks noGrp="1"/>
@@ -2058,7 +2637,7 @@
 </p:sld>
 </file>
 
-<file path=ppt/slides/slide11.xml><?xml version="1.0" encoding="utf-8"?>
+<file path=ppt/slides/slide13.xml><?xml version="1.0" encoding="utf-8"?>
 <p:sld xmlns:a="http://schemas.openxmlformats.org/drawingml/2006/main" xmlns:r="http://schemas.openxmlformats.org/officeDocument/2006/relationships" xmlns:p="http://schemas.openxmlformats.org/presentationml/2006/main">
   <p:cSld>
     <p:spTree>
@@ -2302,7 +2881,7 @@
 </p:sld>
 </file>
 
-<file path=ppt/slides/slide12.xml><?xml version="1.0" encoding="utf-8"?>
+<file path=ppt/slides/slide14.xml><?xml version="1.0" encoding="utf-8"?>
 <p:sld xmlns:a="http://schemas.openxmlformats.org/drawingml/2006/main" xmlns:r="http://schemas.openxmlformats.org/officeDocument/2006/relationships" xmlns:p="http://schemas.openxmlformats.org/presentationml/2006/main">
   <p:cSld>
     <p:spTree>
@@ -2560,7 +3139,7 @@
 </p:sld>
 </file>
 
-<file path=ppt/slides/slide13.xml><?xml version="1.0" encoding="utf-8"?>
+<file path=ppt/slides/slide15.xml><?xml version="1.0" encoding="utf-8"?>
 <p:sld xmlns:a="http://schemas.openxmlformats.org/drawingml/2006/main" xmlns:r="http://schemas.openxmlformats.org/officeDocument/2006/relationships" xmlns:p="http://schemas.openxmlformats.org/presentationml/2006/main">
   <p:cSld>
     <p:spTree>
@@ -2789,7 +3368,7 @@
 </p:sld>
 </file>
 
-<file path=ppt/slides/slide14.xml><?xml version="1.0" encoding="utf-8"?>
+<file path=ppt/slides/slide16.xml><?xml version="1.0" encoding="utf-8"?>
 <p:sld xmlns:a="http://schemas.openxmlformats.org/drawingml/2006/main" xmlns:r="http://schemas.openxmlformats.org/officeDocument/2006/relationships" xmlns:p="http://schemas.openxmlformats.org/presentationml/2006/main">
   <p:cSld>
     <p:spTree>
@@ -2994,7 +3573,7 @@
 </p:sld>
 </file>
 
-<file path=ppt/slides/slide15.xml><?xml version="1.0" encoding="utf-8"?>
+<file path=ppt/slides/slide17.xml><?xml version="1.0" encoding="utf-8"?>
 <p:sld xmlns:a="http://schemas.openxmlformats.org/drawingml/2006/main" xmlns:r="http://schemas.openxmlformats.org/officeDocument/2006/relationships" xmlns:p="http://schemas.openxmlformats.org/presentationml/2006/main">
   <p:cSld>
     <p:spTree>
@@ -3251,7 +3830,7 @@
 </p:sld>
 </file>
 
-<file path=ppt/slides/slide16.xml><?xml version="1.0" encoding="utf-8"?>
+<file path=ppt/slides/slide18.xml><?xml version="1.0" encoding="utf-8"?>
 <p:sld xmlns:a="http://schemas.openxmlformats.org/drawingml/2006/main" xmlns:r="http://schemas.openxmlformats.org/officeDocument/2006/relationships" xmlns:p="http://schemas.openxmlformats.org/presentationml/2006/main">
   <p:cSld>
     <p:spTree>
@@ -3515,7 +4094,7 @@
           </a:ln>
           <a:extLst>
             <a:ext uri="{C572A759-6A51-4108-AA02-DFA0A04FC94B}">
-              <ma14:wrappingTextBoxFlag xmlns="" xmlns:ma14="http://schemas.microsoft.com/office/mac/drawingml/2011/main" val="1"/>
+              <ma14:wrappingTextBoxFlag xmlns:ma14="http://schemas.microsoft.com/office/mac/drawingml/2011/main" xmlns="" val="1"/>
             </a:ext>
           </a:extLst>
         </p:spPr>
@@ -3563,7 +4142,7 @@
 </p:sld>
 </file>
 
-<file path=ppt/slides/slide17.xml><?xml version="1.0" encoding="utf-8"?>
+<file path=ppt/slides/slide19.xml><?xml version="1.0" encoding="utf-8"?>
 <p:sld xmlns:a="http://schemas.openxmlformats.org/drawingml/2006/main" xmlns:r="http://schemas.openxmlformats.org/officeDocument/2006/relationships" xmlns:p="http://schemas.openxmlformats.org/presentationml/2006/main">
   <p:cSld>
     <p:spTree>
@@ -3837,7 +4416,205 @@
 </p:sld>
 </file>
 
-<file path=ppt/slides/slide18.xml><?xml version="1.0" encoding="utf-8"?>
+<file path=ppt/slides/slide2.xml><?xml version="1.0" encoding="utf-8"?>
+<p:sld xmlns:a="http://schemas.openxmlformats.org/drawingml/2006/main" xmlns:r="http://schemas.openxmlformats.org/officeDocument/2006/relationships" xmlns:p="http://schemas.openxmlformats.org/presentationml/2006/main">
+  <p:cSld>
+    <p:spTree>
+      <p:nvGrpSpPr>
+        <p:cNvPr id="1" name=""/>
+        <p:cNvGrpSpPr/>
+        <p:nvPr/>
+      </p:nvGrpSpPr>
+      <p:grpSpPr>
+        <a:xfrm>
+          <a:off x="0" y="0"/>
+          <a:ext cx="0" cy="0"/>
+          <a:chOff x="0" y="0"/>
+          <a:chExt cx="0" cy="0"/>
+        </a:xfrm>
+      </p:grpSpPr>
+      <p:sp>
+        <p:nvSpPr>
+          <p:cNvPr id="2" name="Title 1">
+            <a:extLst>
+              <a:ext uri="{FF2B5EF4-FFF2-40B4-BE49-F238E27FC236}">
+                <a16:creationId xmlns:a16="http://schemas.microsoft.com/office/drawing/2014/main" id="{DB376198-9AB8-4220-A3EF-318AAEA820F8}"/>
+              </a:ext>
+            </a:extLst>
+          </p:cNvPr>
+          <p:cNvSpPr>
+            <a:spLocks noGrp="1"/>
+          </p:cNvSpPr>
+          <p:nvPr>
+            <p:ph type="title"/>
+          </p:nvPr>
+        </p:nvSpPr>
+        <p:spPr/>
+        <p:txBody>
+          <a:bodyPr/>
+          <a:lstStyle/>
+          <a:p>
+            <a:r>
+              <a:rPr lang="en-US" dirty="0"/>
+              <a:t>Codingbat.com</a:t>
+            </a:r>
+          </a:p>
+        </p:txBody>
+      </p:sp>
+      <p:sp>
+        <p:nvSpPr>
+          <p:cNvPr id="3" name="Text Placeholder 2">
+            <a:extLst>
+              <a:ext uri="{FF2B5EF4-FFF2-40B4-BE49-F238E27FC236}">
+                <a16:creationId xmlns:a16="http://schemas.microsoft.com/office/drawing/2014/main" id="{2EA06EAC-1D6B-4C40-AAD2-35E54FAC082B}"/>
+              </a:ext>
+            </a:extLst>
+          </p:cNvPr>
+          <p:cNvSpPr>
+            <a:spLocks noGrp="1"/>
+          </p:cNvSpPr>
+          <p:nvPr>
+            <p:ph type="body" idx="1"/>
+          </p:nvPr>
+        </p:nvSpPr>
+        <p:spPr/>
+        <p:txBody>
+          <a:bodyPr/>
+          <a:lstStyle/>
+          <a:p>
+            <a:r>
+              <a:rPr lang="en-US" dirty="0"/>
+              <a:t>Go to </a:t>
+            </a:r>
+            <a:r>
+              <a:rPr lang="en-US" dirty="0">
+                <a:hlinkClick r:id="rId2"/>
+              </a:rPr>
+              <a:t>https://codingbat.com</a:t>
+            </a:r>
+            <a:endParaRPr lang="en-US" dirty="0"/>
+          </a:p>
+          <a:p>
+            <a:r>
+              <a:rPr lang="th-TH" dirty="0"/>
+              <a:t>สร้าง </a:t>
+            </a:r>
+            <a:r>
+              <a:rPr lang="en-US" dirty="0"/>
+              <a:t>account</a:t>
+            </a:r>
+          </a:p>
+          <a:p>
+            <a:r>
+              <a:rPr lang="th-TH" dirty="0"/>
+              <a:t>เลือก </a:t>
+            </a:r>
+            <a:r>
+              <a:rPr lang="en-US" dirty="0" err="1"/>
+              <a:t>Prefs</a:t>
+            </a:r>
+            <a:r>
+              <a:rPr lang="en-US" dirty="0"/>
+              <a:t> &gt; Teacher Share </a:t>
+            </a:r>
+          </a:p>
+          <a:p>
+            <a:pPr lvl="1"/>
+            <a:r>
+              <a:rPr lang="en-US" dirty="0"/>
+              <a:t>Share to	</a:t>
+            </a:r>
+            <a:r>
+              <a:rPr lang="en-US" dirty="0">
+                <a:hlinkClick r:id="rId3"/>
+              </a:rPr>
+              <a:t>chonlameth@sit.kmutt.ac.th</a:t>
+            </a:r>
+            <a:r>
+              <a:rPr lang="en-US" dirty="0"/>
+              <a:t> </a:t>
+            </a:r>
+            <a:endParaRPr lang="th-TH" dirty="0"/>
+          </a:p>
+          <a:p>
+            <a:pPr lvl="1"/>
+            <a:r>
+              <a:rPr lang="th-TH" dirty="0"/>
+              <a:t>กด </a:t>
+            </a:r>
+            <a:r>
+              <a:rPr lang="en-US" dirty="0"/>
+              <a:t>Share button</a:t>
+            </a:r>
+          </a:p>
+          <a:p>
+            <a:endParaRPr lang="en-US" dirty="0"/>
+          </a:p>
+          <a:p>
+            <a:r>
+              <a:rPr lang="th-TH" dirty="0"/>
+              <a:t>เลือก </a:t>
+            </a:r>
+            <a:r>
+              <a:rPr lang="en-US" dirty="0" err="1"/>
+              <a:t>Prefs</a:t>
+            </a:r>
+            <a:r>
+              <a:rPr lang="en-US" dirty="0"/>
+              <a:t> &gt; Memo</a:t>
+            </a:r>
+          </a:p>
+          <a:p>
+            <a:pPr lvl="1"/>
+            <a:r>
+              <a:rPr lang="en-US" dirty="0"/>
+              <a:t>Memo		</a:t>
+            </a:r>
+            <a:r>
+              <a:rPr lang="th-TH" dirty="0"/>
+              <a:t>รหัสนักเรียน</a:t>
+            </a:r>
+            <a:r>
+              <a:rPr lang="en-US" dirty="0"/>
+              <a:t>_</a:t>
+            </a:r>
+            <a:r>
+              <a:rPr lang="th-TH" dirty="0"/>
+              <a:t>ชื่อ</a:t>
+            </a:r>
+            <a:endParaRPr lang="en-US" dirty="0"/>
+          </a:p>
+          <a:p>
+            <a:pPr lvl="1"/>
+            <a:r>
+              <a:rPr lang="th-TH" dirty="0"/>
+              <a:t>กด </a:t>
+            </a:r>
+            <a:r>
+              <a:rPr lang="en-US" dirty="0"/>
+              <a:t>Update Memo button</a:t>
+            </a:r>
+          </a:p>
+          <a:p>
+            <a:endParaRPr lang="en-US" dirty="0"/>
+          </a:p>
+        </p:txBody>
+      </p:sp>
+    </p:spTree>
+    <p:extLst>
+      <p:ext uri="{BB962C8B-B14F-4D97-AF65-F5344CB8AC3E}">
+        <p14:creationId xmlns:p14="http://schemas.microsoft.com/office/powerpoint/2010/main" val="1842595780"/>
+      </p:ext>
+    </p:extLst>
+  </p:cSld>
+  <p:clrMapOvr>
+    <a:masterClrMapping/>
+  </p:clrMapOvr>
+  <p:transition spd="med"/>
+</p:sld>
+</file>
+
+<file path=ppt/slides/slide20.xml><?xml version="1.0" encoding="utf-8"?>
 <p:sld xmlns:a="http://schemas.openxmlformats.org/drawingml/2006/main" xmlns:r="http://schemas.openxmlformats.org/officeDocument/2006/relationships" xmlns:p="http://schemas.openxmlformats.org/presentationml/2006/main">
   <p:cSld>
     <p:spTree>
@@ -4095,7 +4872,7 @@
           </a:ln>
           <a:extLst>
             <a:ext uri="{C572A759-6A51-4108-AA02-DFA0A04FC94B}">
-              <ma14:wrappingTextBoxFlag xmlns="" xmlns:ma14="http://schemas.microsoft.com/office/mac/drawingml/2011/main" val="1"/>
+              <ma14:wrappingTextBoxFlag xmlns:ma14="http://schemas.microsoft.com/office/mac/drawingml/2011/main" xmlns="" val="1"/>
             </a:ext>
           </a:extLst>
         </p:spPr>
@@ -4160,7 +4937,7 @@
 </p:sld>
 </file>
 
-<file path=ppt/slides/slide19.xml><?xml version="1.0" encoding="utf-8"?>
+<file path=ppt/slides/slide21.xml><?xml version="1.0" encoding="utf-8"?>
 <p:sld xmlns:a="http://schemas.openxmlformats.org/drawingml/2006/main" xmlns:r="http://schemas.openxmlformats.org/officeDocument/2006/relationships" xmlns:p="http://schemas.openxmlformats.org/presentationml/2006/main">
   <p:cSld>
     <p:spTree>
@@ -4334,9 +5111,7 @@
           <p:nvPr/>
         </p:nvPicPr>
         <p:blipFill>
-          <a:blip r:embed="rId2">
-            <a:extLst/>
-          </a:blip>
+          <a:blip r:embed="rId2"/>
           <a:stretch>
             <a:fillRect/>
           </a:stretch>
@@ -4363,427 +5138,7 @@
 </p:sld>
 </file>
 
-<file path=ppt/slides/slide2.xml><?xml version="1.0" encoding="utf-8"?>
-<p:sld xmlns:a="http://schemas.openxmlformats.org/drawingml/2006/main" xmlns:r="http://schemas.openxmlformats.org/officeDocument/2006/relationships" xmlns:p="http://schemas.openxmlformats.org/presentationml/2006/main">
-  <p:cSld>
-    <p:spTree>
-      <p:nvGrpSpPr>
-        <p:cNvPr id="1" name=""/>
-        <p:cNvGrpSpPr/>
-        <p:nvPr/>
-      </p:nvGrpSpPr>
-      <p:grpSpPr>
-        <a:xfrm>
-          <a:off x="0" y="0"/>
-          <a:ext cx="0" cy="0"/>
-          <a:chOff x="0" y="0"/>
-          <a:chExt cx="0" cy="0"/>
-        </a:xfrm>
-      </p:grpSpPr>
-      <p:sp>
-        <p:nvSpPr>
-          <p:cNvPr id="35" name="Shape 35"/>
-          <p:cNvSpPr/>
-          <p:nvPr/>
-        </p:nvSpPr>
-        <p:spPr>
-          <a:xfrm>
-            <a:off x="657324" y="425450"/>
-            <a:ext cx="8839201" cy="469900"/>
-          </a:xfrm>
-          <a:prstGeom prst="rect">
-            <a:avLst/>
-          </a:prstGeom>
-          <a:ln w="12700">
-            <a:miter lim="400000"/>
-          </a:ln>
-          <a:extLst>
-            <a:ext uri="{C572A759-6A51-4108-AA02-DFA0A04FC94B}">
-              <ma14:wrappingTextBoxFlag xmlns:ma14="http://schemas.microsoft.com/office/mac/drawingml/2011/main" xmlns="" val="1"/>
-            </a:ext>
-          </a:extLst>
-        </p:spPr>
-        <p:txBody>
-          <a:bodyPr lIns="50800" tIns="50800" rIns="50800" bIns="50800" anchor="ctr">
-            <a:spAutoFit/>
-          </a:bodyPr>
-          <a:lstStyle>
-            <a:lvl1pPr algn="ctr">
-              <a:defRPr sz="2400" b="1" i="0"/>
-            </a:lvl1pPr>
-          </a:lstStyle>
-          <a:p>
-            <a:pPr lvl="0">
-              <a:defRPr sz="1800" b="0">
-                <a:solidFill>
-                  <a:srgbClr val="000000"/>
-                </a:solidFill>
-              </a:defRPr>
-            </a:pPr>
-            <a:r>
-              <a:rPr sz="2400" b="1">
-                <a:solidFill>
-                  <a:srgbClr val="007D64"/>
-                </a:solidFill>
-              </a:rPr>
-              <a:t>Slides for Chapter 2</a:t>
-            </a:r>
-          </a:p>
-        </p:txBody>
-      </p:sp>
-      <p:sp>
-        <p:nvSpPr>
-          <p:cNvPr id="36" name="Shape 36"/>
-          <p:cNvSpPr/>
-          <p:nvPr/>
-        </p:nvSpPr>
-        <p:spPr>
-          <a:xfrm>
-            <a:off x="609600" y="1130300"/>
-            <a:ext cx="2386286" cy="406400"/>
-          </a:xfrm>
-          <a:prstGeom prst="rect">
-            <a:avLst/>
-          </a:prstGeom>
-          <a:ln w="12700">
-            <a:miter lim="400000"/>
-          </a:ln>
-          <a:extLst>
-            <a:ext uri="{C572A759-6A51-4108-AA02-DFA0A04FC94B}">
-              <ma14:wrappingTextBoxFlag xmlns:ma14="http://schemas.microsoft.com/office/mac/drawingml/2011/main" xmlns="" val="1"/>
-            </a:ext>
-          </a:extLst>
-        </p:spPr>
-        <p:txBody>
-          <a:bodyPr wrap="none" lIns="50800" tIns="50800" rIns="50800" bIns="50800" anchor="ctr">
-            <a:spAutoFit/>
-          </a:bodyPr>
-          <a:lstStyle>
-            <a:lvl1pPr>
-              <a:defRPr sz="2000" b="1"/>
-            </a:lvl1pPr>
-          </a:lstStyle>
-          <a:p>
-            <a:pPr lvl="0">
-              <a:defRPr sz="1800" b="0" i="0">
-                <a:solidFill>
-                  <a:srgbClr val="000000"/>
-                </a:solidFill>
-              </a:defRPr>
-            </a:pPr>
-            <a:r>
-              <a:rPr sz="2000" b="1" i="1">
-                <a:solidFill>
-                  <a:srgbClr val="007D64"/>
-                </a:solidFill>
-              </a:rPr>
-              <a:t>Note to Instructors</a:t>
-            </a:r>
-          </a:p>
-        </p:txBody>
-      </p:sp>
-      <p:sp>
-        <p:nvSpPr>
-          <p:cNvPr id="37" name="Shape 37"/>
-          <p:cNvSpPr/>
-          <p:nvPr/>
-        </p:nvSpPr>
-        <p:spPr>
-          <a:xfrm>
-            <a:off x="635000" y="3987800"/>
-            <a:ext cx="1060227" cy="406400"/>
-          </a:xfrm>
-          <a:prstGeom prst="rect">
-            <a:avLst/>
-          </a:prstGeom>
-          <a:ln w="12700">
-            <a:miter lim="400000"/>
-          </a:ln>
-          <a:extLst>
-            <a:ext uri="{C572A759-6A51-4108-AA02-DFA0A04FC94B}">
-              <ma14:wrappingTextBoxFlag xmlns:ma14="http://schemas.microsoft.com/office/mac/drawingml/2011/main" xmlns="" val="1"/>
-            </a:ext>
-          </a:extLst>
-        </p:spPr>
-        <p:txBody>
-          <a:bodyPr wrap="none" lIns="50800" tIns="50800" rIns="50800" bIns="50800" anchor="ctr">
-            <a:spAutoFit/>
-          </a:bodyPr>
-          <a:lstStyle>
-            <a:lvl1pPr>
-              <a:defRPr sz="2000" b="1"/>
-            </a:lvl1pPr>
-          </a:lstStyle>
-          <a:p>
-            <a:pPr lvl="0">
-              <a:defRPr sz="1800" b="0" i="0">
-                <a:solidFill>
-                  <a:srgbClr val="000000"/>
-                </a:solidFill>
-              </a:defRPr>
-            </a:pPr>
-            <a:r>
-              <a:rPr sz="2000" b="1" i="1">
-                <a:solidFill>
-                  <a:srgbClr val="007D64"/>
-                </a:solidFill>
-              </a:rPr>
-              <a:t>License</a:t>
-            </a:r>
-          </a:p>
-        </p:txBody>
-      </p:sp>
-      <p:sp>
-        <p:nvSpPr>
-          <p:cNvPr id="38" name="Shape 38"/>
-          <p:cNvSpPr/>
-          <p:nvPr/>
-        </p:nvSpPr>
-        <p:spPr>
-          <a:xfrm>
-            <a:off x="3136900" y="6858000"/>
-            <a:ext cx="3263900" cy="381000"/>
-          </a:xfrm>
-          <a:prstGeom prst="rect">
-            <a:avLst/>
-          </a:prstGeom>
-          <a:ln w="25400" cap="rnd">
-            <a:miter lim="400000"/>
-          </a:ln>
-          <a:extLst>
-            <a:ext uri="{C572A759-6A51-4108-AA02-DFA0A04FC94B}">
-              <ma14:wrappingTextBoxFlag xmlns:ma14="http://schemas.microsoft.com/office/mac/drawingml/2011/main" xmlns="" val="1"/>
-            </a:ext>
-          </a:extLst>
-        </p:spPr>
-        <p:txBody>
-          <a:bodyPr lIns="0" tIns="0" rIns="0" bIns="0" anchor="ctr"/>
-          <a:lstStyle>
-            <a:lvl1pPr algn="ctr">
-              <a:defRPr sz="1400" i="0">
-                <a:solidFill>
-                  <a:srgbClr val="000000"/>
-                </a:solidFill>
-              </a:defRPr>
-            </a:lvl1pPr>
-          </a:lstStyle>
-          <a:p>
-            <a:pPr lvl="0">
-              <a:defRPr sz="1800"/>
-            </a:pPr>
-            <a:r>
-              <a:rPr sz="1400"/>
-              <a:t>© 2015 John S. Conery </a:t>
-            </a:r>
-          </a:p>
-        </p:txBody>
-      </p:sp>
-      <p:sp>
-        <p:nvSpPr>
-          <p:cNvPr id="39" name="Shape 39"/>
-          <p:cNvSpPr/>
-          <p:nvPr/>
-        </p:nvSpPr>
-        <p:spPr>
-          <a:xfrm>
-            <a:off x="1016000" y="4521200"/>
-            <a:ext cx="7975600" cy="2260600"/>
-          </a:xfrm>
-          <a:prstGeom prst="rect">
-            <a:avLst/>
-          </a:prstGeom>
-          <a:ln w="25400" cap="rnd">
-            <a:miter lim="400000"/>
-          </a:ln>
-          <a:extLst>
-            <a:ext uri="{C572A759-6A51-4108-AA02-DFA0A04FC94B}">
-              <ma14:wrappingTextBoxFlag xmlns:ma14="http://schemas.microsoft.com/office/mac/drawingml/2011/main" xmlns="" val="1"/>
-            </a:ext>
-          </a:extLst>
-        </p:spPr>
-        <p:txBody>
-          <a:bodyPr lIns="0" tIns="0" rIns="0" bIns="0"/>
-          <a:lstStyle/>
-          <a:p>
-            <a:pPr lvl="0">
-              <a:spcBef>
-                <a:spcPts val="800"/>
-              </a:spcBef>
-              <a:defRPr sz="1800" i="0">
-                <a:solidFill>
-                  <a:srgbClr val="000000"/>
-                </a:solidFill>
-              </a:defRPr>
-            </a:pPr>
-            <a:r>
-              <a:rPr sz="1400"/>
-              <a:t>The slides in this Keynote document are based on copyrighted material from </a:t>
-            </a:r>
-            <a:r>
-              <a:rPr sz="1400" i="1"/>
-              <a:t>Explorations in Computing:  An Introduction to Computer Science and Python Programming</a:t>
-            </a:r>
-            <a:r>
-              <a:rPr sz="1400"/>
-              <a:t>, by John S. Conery.</a:t>
-            </a:r>
-          </a:p>
-          <a:p>
-            <a:pPr lvl="0">
-              <a:spcBef>
-                <a:spcPts val="800"/>
-              </a:spcBef>
-              <a:defRPr sz="1800" i="0">
-                <a:solidFill>
-                  <a:srgbClr val="000000"/>
-                </a:solidFill>
-              </a:defRPr>
-            </a:pPr>
-            <a:r>
-              <a:rPr sz="1400"/>
-              <a:t>These slides are provided free of charge to instructors who are using the textbook for their courses.</a:t>
-            </a:r>
-          </a:p>
-          <a:p>
-            <a:pPr lvl="0">
-              <a:spcBef>
-                <a:spcPts val="800"/>
-              </a:spcBef>
-              <a:defRPr sz="1800" i="0">
-                <a:solidFill>
-                  <a:srgbClr val="000000"/>
-                </a:solidFill>
-              </a:defRPr>
-            </a:pPr>
-            <a:r>
-              <a:rPr sz="1400"/>
-              <a:t>Instructors may alter the slides for use in their own courses, including but not limited to: adding new slides, altering the wording or images found on these slides, or deleting slides.</a:t>
-            </a:r>
-          </a:p>
-          <a:p>
-            <a:pPr lvl="0">
-              <a:spcBef>
-                <a:spcPts val="800"/>
-              </a:spcBef>
-              <a:defRPr sz="1800" i="0">
-                <a:solidFill>
-                  <a:srgbClr val="000000"/>
-                </a:solidFill>
-              </a:defRPr>
-            </a:pPr>
-            <a:r>
-              <a:rPr sz="1400"/>
-              <a:t>Instructors may distribute printed copies of the slides, either in hard copy or as electronic copies in PDF form, provided the copyright notice below is reproduced on the first slide.</a:t>
-            </a:r>
-          </a:p>
-        </p:txBody>
-      </p:sp>
-      <p:sp>
-        <p:nvSpPr>
-          <p:cNvPr id="40" name="Shape 40"/>
-          <p:cNvSpPr/>
-          <p:nvPr/>
-        </p:nvSpPr>
-        <p:spPr>
-          <a:xfrm>
-            <a:off x="1016000" y="1663700"/>
-            <a:ext cx="7975600" cy="2032000"/>
-          </a:xfrm>
-          <a:prstGeom prst="rect">
-            <a:avLst/>
-          </a:prstGeom>
-          <a:ln w="25400" cap="rnd">
-            <a:miter lim="400000"/>
-          </a:ln>
-          <a:extLst>
-            <a:ext uri="{C572A759-6A51-4108-AA02-DFA0A04FC94B}">
-              <ma14:wrappingTextBoxFlag xmlns:ma14="http://schemas.microsoft.com/office/mac/drawingml/2011/main" xmlns="" val="1"/>
-            </a:ext>
-          </a:extLst>
-        </p:spPr>
-        <p:txBody>
-          <a:bodyPr lIns="0" tIns="0" rIns="0" bIns="0"/>
-          <a:lstStyle/>
-          <a:p>
-            <a:pPr lvl="0">
-              <a:spcBef>
-                <a:spcPts val="800"/>
-              </a:spcBef>
-              <a:defRPr sz="1800" i="0">
-                <a:solidFill>
-                  <a:srgbClr val="000000"/>
-                </a:solidFill>
-              </a:defRPr>
-            </a:pPr>
-            <a:r>
-              <a:rPr sz="1400"/>
-              <a:t>This Keynote document contains the slides for “The Python Workbench”, Chapter 2 of </a:t>
-            </a:r>
-            <a:r>
-              <a:rPr sz="1400" i="1"/>
-              <a:t>Explorations in Computing:  An Introduction to Computer Science and Python Programming</a:t>
-            </a:r>
-            <a:r>
-              <a:rPr sz="1400"/>
-              <a:t>.</a:t>
-            </a:r>
-          </a:p>
-          <a:p>
-            <a:pPr lvl="0">
-              <a:spcBef>
-                <a:spcPts val="800"/>
-              </a:spcBef>
-              <a:defRPr sz="1800" i="0">
-                <a:solidFill>
-                  <a:srgbClr val="000000"/>
-                </a:solidFill>
-              </a:defRPr>
-            </a:pPr>
-            <a:r>
-              <a:rPr sz="1400"/>
-              <a:t>The book invites students to explore ideas in computer science through interactive tutorials where they type expressions in Python and immediately see the results, either in a terminal window or a 2D graphics window.</a:t>
-            </a:r>
-          </a:p>
-          <a:p>
-            <a:pPr lvl="0">
-              <a:spcBef>
-                <a:spcPts val="800"/>
-              </a:spcBef>
-              <a:defRPr sz="1800" i="0">
-                <a:solidFill>
-                  <a:srgbClr val="000000"/>
-                </a:solidFill>
-              </a:defRPr>
-            </a:pPr>
-            <a:r>
-              <a:rPr sz="1400"/>
-              <a:t>Instructors are </a:t>
-            </a:r>
-            <a:r>
-              <a:rPr sz="1400" b="1">
-                <a:solidFill>
-                  <a:srgbClr val="007D64"/>
-                </a:solidFill>
-              </a:rPr>
-              <a:t>strongly encouraged to have a Python session running concurrently</a:t>
-            </a:r>
-            <a:r>
-              <a:rPr sz="1400"/>
-              <a:t> with Keynote in order to give live demonstrations of the Python code shown on the slides.</a:t>
-            </a:r>
-          </a:p>
-        </p:txBody>
-      </p:sp>
-    </p:spTree>
-  </p:cSld>
-  <p:clrMapOvr>
-    <a:masterClrMapping/>
-  </p:clrMapOvr>
-  <p:transition spd="med"/>
-</p:sld>
-</file>
-
-<file path=ppt/slides/slide20.xml><?xml version="1.0" encoding="utf-8"?>
+<file path=ppt/slides/slide22.xml><?xml version="1.0" encoding="utf-8"?>
 <p:sld xmlns:a="http://schemas.openxmlformats.org/drawingml/2006/main" xmlns:r="http://schemas.openxmlformats.org/officeDocument/2006/relationships" xmlns:p="http://schemas.openxmlformats.org/presentationml/2006/main">
   <p:cSld>
     <p:spTree>
@@ -4864,7 +5219,7 @@
 </p:sld>
 </file>
 
-<file path=ppt/slides/slide21.xml><?xml version="1.0" encoding="utf-8"?>
+<file path=ppt/slides/slide23.xml><?xml version="1.0" encoding="utf-8"?>
 <p:sld xmlns:a="http://schemas.openxmlformats.org/drawingml/2006/main" xmlns:r="http://schemas.openxmlformats.org/officeDocument/2006/relationships" xmlns:p="http://schemas.openxmlformats.org/presentationml/2006/main">
   <p:cSld>
     <p:spTree>
@@ -4946,6 +5301,507 @@
 </file>
 
 <file path=ppt/slides/slide3.xml><?xml version="1.0" encoding="utf-8"?>
+<p:sld xmlns:a="http://schemas.openxmlformats.org/drawingml/2006/main" xmlns:r="http://schemas.openxmlformats.org/officeDocument/2006/relationships" xmlns:p="http://schemas.openxmlformats.org/presentationml/2006/main">
+  <p:cSld>
+    <p:spTree>
+      <p:nvGrpSpPr>
+        <p:cNvPr id="1" name=""/>
+        <p:cNvGrpSpPr/>
+        <p:nvPr/>
+      </p:nvGrpSpPr>
+      <p:grpSpPr>
+        <a:xfrm>
+          <a:off x="0" y="0"/>
+          <a:ext cx="0" cy="0"/>
+          <a:chOff x="0" y="0"/>
+          <a:chExt cx="0" cy="0"/>
+        </a:xfrm>
+      </p:grpSpPr>
+      <p:sp>
+        <p:nvSpPr>
+          <p:cNvPr id="2" name="Title 1">
+            <a:extLst>
+              <a:ext uri="{FF2B5EF4-FFF2-40B4-BE49-F238E27FC236}">
+                <a16:creationId xmlns:a16="http://schemas.microsoft.com/office/drawing/2014/main" id="{1A9B59CD-D974-485F-9CEF-F73D3B4B3BE4}"/>
+              </a:ext>
+            </a:extLst>
+          </p:cNvPr>
+          <p:cNvSpPr>
+            <a:spLocks noGrp="1"/>
+          </p:cNvSpPr>
+          <p:nvPr>
+            <p:ph type="title"/>
+          </p:nvPr>
+        </p:nvSpPr>
+        <p:spPr/>
+        <p:txBody>
+          <a:bodyPr/>
+          <a:lstStyle/>
+          <a:p>
+            <a:endParaRPr lang="en-US"/>
+          </a:p>
+        </p:txBody>
+      </p:sp>
+      <p:sp>
+        <p:nvSpPr>
+          <p:cNvPr id="3" name="Text Placeholder 2">
+            <a:extLst>
+              <a:ext uri="{FF2B5EF4-FFF2-40B4-BE49-F238E27FC236}">
+                <a16:creationId xmlns:a16="http://schemas.microsoft.com/office/drawing/2014/main" id="{DB3F82E9-D0AE-4973-AACB-F0FCCD0E748D}"/>
+              </a:ext>
+            </a:extLst>
+          </p:cNvPr>
+          <p:cNvSpPr>
+            <a:spLocks noGrp="1"/>
+          </p:cNvSpPr>
+          <p:nvPr>
+            <p:ph type="body" idx="1"/>
+          </p:nvPr>
+        </p:nvSpPr>
+        <p:spPr/>
+        <p:txBody>
+          <a:bodyPr/>
+          <a:lstStyle/>
+          <a:p>
+            <a:endParaRPr lang="en-US"/>
+          </a:p>
+        </p:txBody>
+      </p:sp>
+    </p:spTree>
+    <p:extLst>
+      <p:ext uri="{BB962C8B-B14F-4D97-AF65-F5344CB8AC3E}">
+        <p14:creationId xmlns:p14="http://schemas.microsoft.com/office/powerpoint/2010/main" val="2853110545"/>
+      </p:ext>
+    </p:extLst>
+  </p:cSld>
+  <p:clrMapOvr>
+    <a:masterClrMapping/>
+  </p:clrMapOvr>
+  <p:transition spd="med"/>
+</p:sld>
+</file>
+
+<file path=ppt/slides/slide4.xml><?xml version="1.0" encoding="utf-8"?>
+<p:sld xmlns:a="http://schemas.openxmlformats.org/drawingml/2006/main" xmlns:r="http://schemas.openxmlformats.org/officeDocument/2006/relationships" xmlns:p="http://schemas.openxmlformats.org/presentationml/2006/main">
+  <p:cSld>
+    <p:spTree>
+      <p:nvGrpSpPr>
+        <p:cNvPr id="1" name=""/>
+        <p:cNvGrpSpPr/>
+        <p:nvPr/>
+      </p:nvGrpSpPr>
+      <p:grpSpPr>
+        <a:xfrm>
+          <a:off x="0" y="0"/>
+          <a:ext cx="0" cy="0"/>
+          <a:chOff x="0" y="0"/>
+          <a:chExt cx="0" cy="0"/>
+        </a:xfrm>
+      </p:grpSpPr>
+      <p:sp>
+        <p:nvSpPr>
+          <p:cNvPr id="35" name="Shape 35"/>
+          <p:cNvSpPr/>
+          <p:nvPr/>
+        </p:nvSpPr>
+        <p:spPr>
+          <a:xfrm>
+            <a:off x="657324" y="425450"/>
+            <a:ext cx="8839201" cy="469900"/>
+          </a:xfrm>
+          <a:prstGeom prst="rect">
+            <a:avLst/>
+          </a:prstGeom>
+          <a:ln w="12700">
+            <a:miter lim="400000"/>
+          </a:ln>
+          <a:extLst>
+            <a:ext uri="{C572A759-6A51-4108-AA02-DFA0A04FC94B}">
+              <ma14:wrappingTextBoxFlag xmlns="" xmlns:ma14="http://schemas.microsoft.com/office/mac/drawingml/2011/main" val="1"/>
+            </a:ext>
+          </a:extLst>
+        </p:spPr>
+        <p:txBody>
+          <a:bodyPr lIns="50800" tIns="50800" rIns="50800" bIns="50800" anchor="ctr">
+            <a:spAutoFit/>
+          </a:bodyPr>
+          <a:lstStyle>
+            <a:lvl1pPr algn="ctr">
+              <a:defRPr sz="2400" b="1" i="0"/>
+            </a:lvl1pPr>
+          </a:lstStyle>
+          <a:p>
+            <a:pPr lvl="0">
+              <a:defRPr sz="1800" b="0">
+                <a:solidFill>
+                  <a:srgbClr val="000000"/>
+                </a:solidFill>
+              </a:defRPr>
+            </a:pPr>
+            <a:r>
+              <a:rPr sz="2400" b="1">
+                <a:solidFill>
+                  <a:srgbClr val="007D64"/>
+                </a:solidFill>
+              </a:rPr>
+              <a:t>Slides for Chapter 2</a:t>
+            </a:r>
+          </a:p>
+        </p:txBody>
+      </p:sp>
+      <p:sp>
+        <p:nvSpPr>
+          <p:cNvPr id="36" name="Shape 36"/>
+          <p:cNvSpPr/>
+          <p:nvPr/>
+        </p:nvSpPr>
+        <p:spPr>
+          <a:xfrm>
+            <a:off x="609600" y="1130300"/>
+            <a:ext cx="2386286" cy="406400"/>
+          </a:xfrm>
+          <a:prstGeom prst="rect">
+            <a:avLst/>
+          </a:prstGeom>
+          <a:ln w="12700">
+            <a:miter lim="400000"/>
+          </a:ln>
+          <a:extLst>
+            <a:ext uri="{C572A759-6A51-4108-AA02-DFA0A04FC94B}">
+              <ma14:wrappingTextBoxFlag xmlns="" xmlns:ma14="http://schemas.microsoft.com/office/mac/drawingml/2011/main" val="1"/>
+            </a:ext>
+          </a:extLst>
+        </p:spPr>
+        <p:txBody>
+          <a:bodyPr wrap="none" lIns="50800" tIns="50800" rIns="50800" bIns="50800" anchor="ctr">
+            <a:spAutoFit/>
+          </a:bodyPr>
+          <a:lstStyle>
+            <a:lvl1pPr>
+              <a:defRPr sz="2000" b="1"/>
+            </a:lvl1pPr>
+          </a:lstStyle>
+          <a:p>
+            <a:pPr lvl="0">
+              <a:defRPr sz="1800" b="0" i="0">
+                <a:solidFill>
+                  <a:srgbClr val="000000"/>
+                </a:solidFill>
+              </a:defRPr>
+            </a:pPr>
+            <a:r>
+              <a:rPr sz="2000" b="1" i="1">
+                <a:solidFill>
+                  <a:srgbClr val="007D64"/>
+                </a:solidFill>
+              </a:rPr>
+              <a:t>Note to Instructors</a:t>
+            </a:r>
+          </a:p>
+        </p:txBody>
+      </p:sp>
+      <p:sp>
+        <p:nvSpPr>
+          <p:cNvPr id="37" name="Shape 37"/>
+          <p:cNvSpPr/>
+          <p:nvPr/>
+        </p:nvSpPr>
+        <p:spPr>
+          <a:xfrm>
+            <a:off x="635000" y="3987800"/>
+            <a:ext cx="1060227" cy="406400"/>
+          </a:xfrm>
+          <a:prstGeom prst="rect">
+            <a:avLst/>
+          </a:prstGeom>
+          <a:ln w="12700">
+            <a:miter lim="400000"/>
+          </a:ln>
+          <a:extLst>
+            <a:ext uri="{C572A759-6A51-4108-AA02-DFA0A04FC94B}">
+              <ma14:wrappingTextBoxFlag xmlns="" xmlns:ma14="http://schemas.microsoft.com/office/mac/drawingml/2011/main" val="1"/>
+            </a:ext>
+          </a:extLst>
+        </p:spPr>
+        <p:txBody>
+          <a:bodyPr wrap="none" lIns="50800" tIns="50800" rIns="50800" bIns="50800" anchor="ctr">
+            <a:spAutoFit/>
+          </a:bodyPr>
+          <a:lstStyle>
+            <a:lvl1pPr>
+              <a:defRPr sz="2000" b="1"/>
+            </a:lvl1pPr>
+          </a:lstStyle>
+          <a:p>
+            <a:pPr lvl="0">
+              <a:defRPr sz="1800" b="0" i="0">
+                <a:solidFill>
+                  <a:srgbClr val="000000"/>
+                </a:solidFill>
+              </a:defRPr>
+            </a:pPr>
+            <a:r>
+              <a:rPr sz="2000" b="1" i="1">
+                <a:solidFill>
+                  <a:srgbClr val="007D64"/>
+                </a:solidFill>
+              </a:rPr>
+              <a:t>License</a:t>
+            </a:r>
+          </a:p>
+        </p:txBody>
+      </p:sp>
+      <p:sp>
+        <p:nvSpPr>
+          <p:cNvPr id="38" name="Shape 38"/>
+          <p:cNvSpPr/>
+          <p:nvPr/>
+        </p:nvSpPr>
+        <p:spPr>
+          <a:xfrm>
+            <a:off x="3136900" y="6858000"/>
+            <a:ext cx="3263900" cy="381000"/>
+          </a:xfrm>
+          <a:prstGeom prst="rect">
+            <a:avLst/>
+          </a:prstGeom>
+          <a:ln w="25400" cap="rnd">
+            <a:miter lim="400000"/>
+          </a:ln>
+          <a:extLst>
+            <a:ext uri="{C572A759-6A51-4108-AA02-DFA0A04FC94B}">
+              <ma14:wrappingTextBoxFlag xmlns="" xmlns:ma14="http://schemas.microsoft.com/office/mac/drawingml/2011/main" val="1"/>
+            </a:ext>
+          </a:extLst>
+        </p:spPr>
+        <p:txBody>
+          <a:bodyPr lIns="0" tIns="0" rIns="0" bIns="0" anchor="ctr"/>
+          <a:lstStyle>
+            <a:lvl1pPr algn="ctr">
+              <a:defRPr sz="1400" i="0">
+                <a:solidFill>
+                  <a:srgbClr val="000000"/>
+                </a:solidFill>
+              </a:defRPr>
+            </a:lvl1pPr>
+          </a:lstStyle>
+          <a:p>
+            <a:pPr lvl="0">
+              <a:defRPr sz="1800"/>
+            </a:pPr>
+            <a:r>
+              <a:rPr sz="1400"/>
+              <a:t>© 2015 John S. Conery </a:t>
+            </a:r>
+          </a:p>
+        </p:txBody>
+      </p:sp>
+      <p:sp>
+        <p:nvSpPr>
+          <p:cNvPr id="39" name="Shape 39"/>
+          <p:cNvSpPr/>
+          <p:nvPr/>
+        </p:nvSpPr>
+        <p:spPr>
+          <a:xfrm>
+            <a:off x="1016000" y="4521200"/>
+            <a:ext cx="7975600" cy="2260600"/>
+          </a:xfrm>
+          <a:prstGeom prst="rect">
+            <a:avLst/>
+          </a:prstGeom>
+          <a:ln w="25400" cap="rnd">
+            <a:miter lim="400000"/>
+          </a:ln>
+          <a:extLst>
+            <a:ext uri="{C572A759-6A51-4108-AA02-DFA0A04FC94B}">
+              <ma14:wrappingTextBoxFlag xmlns="" xmlns:ma14="http://schemas.microsoft.com/office/mac/drawingml/2011/main" val="1"/>
+            </a:ext>
+          </a:extLst>
+        </p:spPr>
+        <p:txBody>
+          <a:bodyPr lIns="0" tIns="0" rIns="0" bIns="0"/>
+          <a:lstStyle/>
+          <a:p>
+            <a:pPr lvl="0">
+              <a:spcBef>
+                <a:spcPts val="800"/>
+              </a:spcBef>
+              <a:defRPr sz="1800" i="0">
+                <a:solidFill>
+                  <a:srgbClr val="000000"/>
+                </a:solidFill>
+              </a:defRPr>
+            </a:pPr>
+            <a:r>
+              <a:rPr sz="1400"/>
+              <a:t>The slides in this Keynote document are based on copyrighted material from </a:t>
+            </a:r>
+            <a:r>
+              <a:rPr sz="1400" i="1"/>
+              <a:t>Explorations in Computing:  An Introduction to Computer Science and Python Programming</a:t>
+            </a:r>
+            <a:r>
+              <a:rPr sz="1400"/>
+              <a:t>, by John S. Conery.</a:t>
+            </a:r>
+          </a:p>
+          <a:p>
+            <a:pPr lvl="0">
+              <a:spcBef>
+                <a:spcPts val="800"/>
+              </a:spcBef>
+              <a:defRPr sz="1800" i="0">
+                <a:solidFill>
+                  <a:srgbClr val="000000"/>
+                </a:solidFill>
+              </a:defRPr>
+            </a:pPr>
+            <a:r>
+              <a:rPr sz="1400"/>
+              <a:t>These slides are provided free of charge to instructors who are using the textbook for their courses.</a:t>
+            </a:r>
+          </a:p>
+          <a:p>
+            <a:pPr lvl="0">
+              <a:spcBef>
+                <a:spcPts val="800"/>
+              </a:spcBef>
+              <a:defRPr sz="1800" i="0">
+                <a:solidFill>
+                  <a:srgbClr val="000000"/>
+                </a:solidFill>
+              </a:defRPr>
+            </a:pPr>
+            <a:r>
+              <a:rPr sz="1400"/>
+              <a:t>Instructors may alter the slides for use in their own courses, including but not limited to: adding new slides, altering the wording or images found on these slides, or deleting slides.</a:t>
+            </a:r>
+          </a:p>
+          <a:p>
+            <a:pPr lvl="0">
+              <a:spcBef>
+                <a:spcPts val="800"/>
+              </a:spcBef>
+              <a:defRPr sz="1800" i="0">
+                <a:solidFill>
+                  <a:srgbClr val="000000"/>
+                </a:solidFill>
+              </a:defRPr>
+            </a:pPr>
+            <a:r>
+              <a:rPr sz="1400"/>
+              <a:t>Instructors may distribute printed copies of the slides, either in hard copy or as electronic copies in PDF form, provided the copyright notice below is reproduced on the first slide.</a:t>
+            </a:r>
+          </a:p>
+        </p:txBody>
+      </p:sp>
+      <p:sp>
+        <p:nvSpPr>
+          <p:cNvPr id="40" name="Shape 40"/>
+          <p:cNvSpPr/>
+          <p:nvPr/>
+        </p:nvSpPr>
+        <p:spPr>
+          <a:xfrm>
+            <a:off x="1016000" y="1663700"/>
+            <a:ext cx="7975600" cy="2032000"/>
+          </a:xfrm>
+          <a:prstGeom prst="rect">
+            <a:avLst/>
+          </a:prstGeom>
+          <a:ln w="25400" cap="rnd">
+            <a:miter lim="400000"/>
+          </a:ln>
+          <a:extLst>
+            <a:ext uri="{C572A759-6A51-4108-AA02-DFA0A04FC94B}">
+              <ma14:wrappingTextBoxFlag xmlns="" xmlns:ma14="http://schemas.microsoft.com/office/mac/drawingml/2011/main" val="1"/>
+            </a:ext>
+          </a:extLst>
+        </p:spPr>
+        <p:txBody>
+          <a:bodyPr lIns="0" tIns="0" rIns="0" bIns="0"/>
+          <a:lstStyle/>
+          <a:p>
+            <a:pPr lvl="0">
+              <a:spcBef>
+                <a:spcPts val="800"/>
+              </a:spcBef>
+              <a:defRPr sz="1800" i="0">
+                <a:solidFill>
+                  <a:srgbClr val="000000"/>
+                </a:solidFill>
+              </a:defRPr>
+            </a:pPr>
+            <a:r>
+              <a:rPr sz="1400"/>
+              <a:t>This Keynote document contains the slides for “The Python Workbench”, Chapter 2 of </a:t>
+            </a:r>
+            <a:r>
+              <a:rPr sz="1400" i="1"/>
+              <a:t>Explorations in Computing:  An Introduction to Computer Science and Python Programming</a:t>
+            </a:r>
+            <a:r>
+              <a:rPr sz="1400"/>
+              <a:t>.</a:t>
+            </a:r>
+          </a:p>
+          <a:p>
+            <a:pPr lvl="0">
+              <a:spcBef>
+                <a:spcPts val="800"/>
+              </a:spcBef>
+              <a:defRPr sz="1800" i="0">
+                <a:solidFill>
+                  <a:srgbClr val="000000"/>
+                </a:solidFill>
+              </a:defRPr>
+            </a:pPr>
+            <a:r>
+              <a:rPr sz="1400"/>
+              <a:t>The book invites students to explore ideas in computer science through interactive tutorials where they type expressions in Python and immediately see the results, either in a terminal window or a 2D graphics window.</a:t>
+            </a:r>
+          </a:p>
+          <a:p>
+            <a:pPr lvl="0">
+              <a:spcBef>
+                <a:spcPts val="800"/>
+              </a:spcBef>
+              <a:defRPr sz="1800" i="0">
+                <a:solidFill>
+                  <a:srgbClr val="000000"/>
+                </a:solidFill>
+              </a:defRPr>
+            </a:pPr>
+            <a:r>
+              <a:rPr sz="1400"/>
+              <a:t>Instructors are </a:t>
+            </a:r>
+            <a:r>
+              <a:rPr sz="1400" b="1">
+                <a:solidFill>
+                  <a:srgbClr val="007D64"/>
+                </a:solidFill>
+              </a:rPr>
+              <a:t>strongly encouraged to have a Python session running concurrently</a:t>
+            </a:r>
+            <a:r>
+              <a:rPr sz="1400"/>
+              <a:t> with Keynote in order to give live demonstrations of the Python code shown on the slides.</a:t>
+            </a:r>
+          </a:p>
+        </p:txBody>
+      </p:sp>
+    </p:spTree>
+  </p:cSld>
+  <p:clrMapOvr>
+    <a:masterClrMapping/>
+  </p:clrMapOvr>
+  <p:transition spd="med"/>
+</p:sld>
+</file>
+
+<file path=ppt/slides/slide5.xml><?xml version="1.0" encoding="utf-8"?>
 <p:sld xmlns:a="http://schemas.openxmlformats.org/drawingml/2006/main" xmlns:r="http://schemas.openxmlformats.org/officeDocument/2006/relationships" xmlns:p="http://schemas.openxmlformats.org/presentationml/2006/main">
   <p:cSld>
     <p:spTree>
@@ -5126,7 +5982,7 @@
             </a:ln>
             <a:extLst>
               <a:ext uri="{C572A759-6A51-4108-AA02-DFA0A04FC94B}">
-                <ma14:wrappingTextBoxFlag xmlns:ma14="http://schemas.microsoft.com/office/mac/drawingml/2011/main" xmlns="" val="1"/>
+                <ma14:wrappingTextBoxFlag xmlns="" xmlns:ma14="http://schemas.microsoft.com/office/mac/drawingml/2011/main" val="1"/>
               </a:ext>
             </a:extLst>
           </p:spPr>
@@ -5268,7 +6124,7 @@
             </a:ln>
             <a:extLst>
               <a:ext uri="{C572A759-6A51-4108-AA02-DFA0A04FC94B}">
-                <ma14:wrappingTextBoxFlag xmlns:ma14="http://schemas.microsoft.com/office/mac/drawingml/2011/main" xmlns="" val="1"/>
+                <ma14:wrappingTextBoxFlag xmlns="" xmlns:ma14="http://schemas.microsoft.com/office/mac/drawingml/2011/main" val="1"/>
               </a:ext>
             </a:extLst>
           </p:spPr>
@@ -5410,7 +6266,7 @@
             </a:ln>
             <a:extLst>
               <a:ext uri="{C572A759-6A51-4108-AA02-DFA0A04FC94B}">
-                <ma14:wrappingTextBoxFlag xmlns:ma14="http://schemas.microsoft.com/office/mac/drawingml/2011/main" xmlns="" val="1"/>
+                <ma14:wrappingTextBoxFlag xmlns="" xmlns:ma14="http://schemas.microsoft.com/office/mac/drawingml/2011/main" val="1"/>
               </a:ext>
             </a:extLst>
           </p:spPr>
@@ -5545,7 +6401,7 @@
 </p:sld>
 </file>
 
-<file path=ppt/slides/slide4.xml><?xml version="1.0" encoding="utf-8"?>
+<file path=ppt/slides/slide6.xml><?xml version="1.0" encoding="utf-8"?>
 <p:sld xmlns:a="http://schemas.openxmlformats.org/drawingml/2006/main" xmlns:r="http://schemas.openxmlformats.org/officeDocument/2006/relationships" xmlns:p="http://schemas.openxmlformats.org/presentationml/2006/main">
   <p:cSld>
     <p:spTree>
@@ -5764,7 +6620,7 @@
           </a:ln>
           <a:extLst>
             <a:ext uri="{C572A759-6A51-4108-AA02-DFA0A04FC94B}">
-              <ma14:wrappingTextBoxFlag xmlns:ma14="http://schemas.microsoft.com/office/mac/drawingml/2011/main" xmlns="" val="1"/>
+              <ma14:wrappingTextBoxFlag xmlns="" xmlns:ma14="http://schemas.microsoft.com/office/mac/drawingml/2011/main" val="1"/>
             </a:ext>
           </a:extLst>
         </p:spPr>
@@ -5842,7 +6698,7 @@
           </a:ln>
           <a:extLst>
             <a:ext uri="{C572A759-6A51-4108-AA02-DFA0A04FC94B}">
-              <ma14:wrappingTextBoxFlag xmlns:ma14="http://schemas.microsoft.com/office/mac/drawingml/2011/main" xmlns="" val="1"/>
+              <ma14:wrappingTextBoxFlag xmlns="" xmlns:ma14="http://schemas.microsoft.com/office/mac/drawingml/2011/main" val="1"/>
             </a:ext>
           </a:extLst>
         </p:spPr>
@@ -5920,7 +6776,7 @@
           </a:ln>
           <a:extLst>
             <a:ext uri="{C572A759-6A51-4108-AA02-DFA0A04FC94B}">
-              <ma14:wrappingTextBoxFlag xmlns:ma14="http://schemas.microsoft.com/office/mac/drawingml/2011/main" xmlns="" val="1"/>
+              <ma14:wrappingTextBoxFlag xmlns="" xmlns:ma14="http://schemas.microsoft.com/office/mac/drawingml/2011/main" val="1"/>
             </a:ext>
           </a:extLst>
         </p:spPr>
@@ -5990,7 +6846,7 @@
 </p:sld>
 </file>
 
-<file path=ppt/slides/slide5.xml><?xml version="1.0" encoding="utf-8"?>
+<file path=ppt/slides/slide7.xml><?xml version="1.0" encoding="utf-8"?>
 <p:sld xmlns:a="http://schemas.openxmlformats.org/drawingml/2006/main" xmlns:r="http://schemas.openxmlformats.org/officeDocument/2006/relationships" xmlns:p="http://schemas.openxmlformats.org/presentationml/2006/main">
   <p:cSld>
     <p:spTree>
@@ -6104,7 +6960,7 @@
           </a:ln>
           <a:extLst>
             <a:ext uri="{C572A759-6A51-4108-AA02-DFA0A04FC94B}">
-              <ma14:wrappingTextBoxFlag xmlns:ma14="http://schemas.microsoft.com/office/mac/drawingml/2011/main" xmlns="" val="1"/>
+              <ma14:wrappingTextBoxFlag xmlns="" xmlns:ma14="http://schemas.microsoft.com/office/mac/drawingml/2011/main" val="1"/>
             </a:ext>
           </a:extLst>
         </p:spPr>
@@ -6182,7 +7038,7 @@
           </a:ln>
           <a:extLst>
             <a:ext uri="{C572A759-6A51-4108-AA02-DFA0A04FC94B}">
-              <ma14:wrappingTextBoxFlag xmlns:ma14="http://schemas.microsoft.com/office/mac/drawingml/2011/main" xmlns="" val="1"/>
+              <ma14:wrappingTextBoxFlag xmlns="" xmlns:ma14="http://schemas.microsoft.com/office/mac/drawingml/2011/main" val="1"/>
             </a:ext>
           </a:extLst>
         </p:spPr>
@@ -6260,7 +7116,7 @@
           </a:ln>
           <a:extLst>
             <a:ext uri="{C572A759-6A51-4108-AA02-DFA0A04FC94B}">
-              <ma14:wrappingTextBoxFlag xmlns:ma14="http://schemas.microsoft.com/office/mac/drawingml/2011/main" xmlns="" val="1"/>
+              <ma14:wrappingTextBoxFlag xmlns="" xmlns:ma14="http://schemas.microsoft.com/office/mac/drawingml/2011/main" val="1"/>
             </a:ext>
           </a:extLst>
         </p:spPr>
@@ -6338,7 +7194,7 @@
           </a:ln>
           <a:extLst>
             <a:ext uri="{C572A759-6A51-4108-AA02-DFA0A04FC94B}">
-              <ma14:wrappingTextBoxFlag xmlns:ma14="http://schemas.microsoft.com/office/mac/drawingml/2011/main" xmlns="" val="1"/>
+              <ma14:wrappingTextBoxFlag xmlns="" xmlns:ma14="http://schemas.microsoft.com/office/mac/drawingml/2011/main" val="1"/>
             </a:ext>
           </a:extLst>
         </p:spPr>
@@ -6408,7 +7264,7 @@
 </p:sld>
 </file>
 
-<file path=ppt/slides/slide6.xml><?xml version="1.0" encoding="utf-8"?>
+<file path=ppt/slides/slide8.xml><?xml version="1.0" encoding="utf-8"?>
 <p:sld xmlns:a="http://schemas.openxmlformats.org/drawingml/2006/main" xmlns:r="http://schemas.openxmlformats.org/officeDocument/2006/relationships" xmlns:p="http://schemas.openxmlformats.org/presentationml/2006/main">
   <p:cSld>
     <p:spTree>
@@ -6669,7 +7525,7 @@
           </a:ln>
           <a:extLst>
             <a:ext uri="{C572A759-6A51-4108-AA02-DFA0A04FC94B}">
-              <ma14:wrappingTextBoxFlag xmlns:ma14="http://schemas.microsoft.com/office/mac/drawingml/2011/main" xmlns="" val="1"/>
+              <ma14:wrappingTextBoxFlag xmlns="" xmlns:ma14="http://schemas.microsoft.com/office/mac/drawingml/2011/main" val="1"/>
             </a:ext>
           </a:extLst>
         </p:spPr>
@@ -6736,7 +7592,7 @@
 </p:sld>
 </file>
 
-<file path=ppt/slides/slide7.xml><?xml version="1.0" encoding="utf-8"?>
+<file path=ppt/slides/slide9.xml><?xml version="1.0" encoding="utf-8"?>
 <p:sld xmlns:a="http://schemas.openxmlformats.org/drawingml/2006/main" xmlns:r="http://schemas.openxmlformats.org/officeDocument/2006/relationships" xmlns:p="http://schemas.openxmlformats.org/presentationml/2006/main">
   <p:cSld>
     <p:spTree>
@@ -6905,9 +7761,7 @@
             <p:nvPr/>
           </p:nvPicPr>
           <p:blipFill>
-            <a:blip r:embed="rId2">
-              <a:extLst/>
-            </a:blip>
+            <a:blip r:embed="rId2"/>
             <a:stretch>
               <a:fillRect/>
             </a:stretch>
@@ -6934,9 +7788,7 @@
             <p:nvPr/>
           </p:nvPicPr>
           <p:blipFill>
-            <a:blip r:embed="rId3">
-              <a:extLst/>
-            </a:blip>
+            <a:blip r:embed="rId3"/>
             <a:stretch>
               <a:fillRect/>
             </a:stretch>
@@ -6964,9 +7816,7 @@
           <p:nvPr/>
         </p:nvPicPr>
         <p:blipFill>
-          <a:blip r:embed="rId4">
-            <a:extLst/>
-          </a:blip>
+          <a:blip r:embed="rId4"/>
           <a:stretch>
             <a:fillRect/>
           </a:stretch>
@@ -6974,593 +7824,6 @@
         <p:spPr>
           <a:xfrm>
             <a:off x="6235700" y="2578100"/>
-            <a:ext cx="1993900" cy="1193800"/>
-          </a:xfrm>
-          <a:prstGeom prst="rect">
-            <a:avLst/>
-          </a:prstGeom>
-          <a:ln w="12700">
-            <a:miter lim="400000"/>
-          </a:ln>
-        </p:spPr>
-      </p:pic>
-    </p:spTree>
-  </p:cSld>
-  <p:clrMapOvr>
-    <a:masterClrMapping/>
-  </p:clrMapOvr>
-  <p:transition>
-    <p:dissolve/>
-  </p:transition>
-</p:sld>
-</file>
-
-<file path=ppt/slides/slide8.xml><?xml version="1.0" encoding="utf-8"?>
-<p:sld xmlns:a="http://schemas.openxmlformats.org/drawingml/2006/main" xmlns:r="http://schemas.openxmlformats.org/officeDocument/2006/relationships" xmlns:p="http://schemas.openxmlformats.org/presentationml/2006/main">
-  <p:cSld>
-    <p:spTree>
-      <p:nvGrpSpPr>
-        <p:cNvPr id="1" name=""/>
-        <p:cNvGrpSpPr/>
-        <p:nvPr/>
-      </p:nvGrpSpPr>
-      <p:grpSpPr>
-        <a:xfrm>
-          <a:off x="0" y="0"/>
-          <a:ext cx="0" cy="0"/>
-          <a:chOff x="0" y="0"/>
-          <a:chExt cx="0" cy="0"/>
-        </a:xfrm>
-      </p:grpSpPr>
-      <p:sp>
-        <p:nvSpPr>
-          <p:cNvPr id="168" name="Shape 168"/>
-          <p:cNvSpPr>
-            <a:spLocks noGrp="1"/>
-          </p:cNvSpPr>
-          <p:nvPr>
-            <p:ph type="title"/>
-          </p:nvPr>
-        </p:nvSpPr>
-        <p:spPr>
-          <a:prstGeom prst="rect">
-            <a:avLst/>
-          </a:prstGeom>
-        </p:spPr>
-        <p:txBody>
-          <a:bodyPr/>
-          <a:lstStyle/>
-          <a:p>
-            <a:pPr lvl="0">
-              <a:defRPr sz="1800" b="0">
-                <a:solidFill>
-                  <a:srgbClr val="000000"/>
-                </a:solidFill>
-              </a:defRPr>
-            </a:pPr>
-            <a:r>
-              <a:rPr sz="3600" b="1">
-                <a:solidFill>
-                  <a:srgbClr val="007D64"/>
-                </a:solidFill>
-              </a:rPr>
-              <a:t>Variables (cont’d)</a:t>
-            </a:r>
-          </a:p>
-        </p:txBody>
-      </p:sp>
-      <p:sp>
-        <p:nvSpPr>
-          <p:cNvPr id="169" name="Shape 169"/>
-          <p:cNvSpPr>
-            <a:spLocks noGrp="1"/>
-          </p:cNvSpPr>
-          <p:nvPr>
-            <p:ph type="body" idx="1"/>
-          </p:nvPr>
-        </p:nvSpPr>
-        <p:spPr>
-          <a:prstGeom prst="rect">
-            <a:avLst/>
-          </a:prstGeom>
-        </p:spPr>
-        <p:txBody>
-          <a:bodyPr/>
-          <a:lstStyle/>
-          <a:p>
-            <a:pPr lvl="0">
-              <a:defRPr sz="1800"/>
-            </a:pPr>
-            <a:r>
-              <a:rPr sz="2000"/>
-              <a:t>Suppose you measure one edge of the square to get </a:t>
-            </a:r>
-            <a:r>
-              <a:rPr sz="2000" i="1">
-                <a:latin typeface="Palatino"/>
-                <a:ea typeface="Palatino"/>
-                <a:cs typeface="Palatino"/>
-                <a:sym typeface="Palatino"/>
-              </a:rPr>
-              <a:t>x</a:t>
-            </a:r>
-            <a:r>
-              <a:rPr sz="2000"/>
-              <a:t> = 109 cm</a:t>
-            </a:r>
-          </a:p>
-          <a:p>
-            <a:pPr lvl="0">
-              <a:defRPr sz="1800"/>
-            </a:pPr>
-            <a:r>
-              <a:rPr sz="2000"/>
-              <a:t>Python can compute the area for you:</a:t>
-            </a:r>
-          </a:p>
-          <a:p>
-            <a:pPr marL="0" lvl="1" indent="317500">
-              <a:buSzTx/>
-              <a:buNone/>
-              <a:defRPr sz="1800"/>
-            </a:pPr>
-            <a:r>
-              <a:t>&gt;&gt;&gt; </a:t>
-            </a:r>
-            <a:r>
-              <a:rPr>
-                <a:solidFill>
-                  <a:srgbClr val="007D64"/>
-                </a:solidFill>
-              </a:rPr>
-              <a:t>109 * 109 - ((109/2)*(109/2) / 2)</a:t>
-            </a:r>
-            <a:br/>
-            <a:r>
-              <a:t>10395.875</a:t>
-            </a:r>
-            <a:endParaRPr>
-              <a:latin typeface="Courier"/>
-              <a:ea typeface="Courier"/>
-              <a:cs typeface="Courier"/>
-              <a:sym typeface="Courier"/>
-            </a:endParaRPr>
-          </a:p>
-          <a:p>
-            <a:pPr lvl="0">
-              <a:spcBef>
-                <a:spcPts val="2600"/>
-              </a:spcBef>
-              <a:defRPr sz="1800"/>
-            </a:pPr>
-            <a:r>
-              <a:rPr sz="2000"/>
-              <a:t>You can simplify this a little bit by using the exponentiation operator</a:t>
-            </a:r>
-          </a:p>
-          <a:p>
-            <a:pPr lvl="1">
-              <a:defRPr sz="1800"/>
-            </a:pPr>
-            <a:r>
-              <a:rPr sz="1600"/>
-              <a:t>to compute  </a:t>
-            </a:r>
-            <a:r>
-              <a:rPr sz="1600" i="1">
-                <a:latin typeface="Helvetica Neue"/>
-                <a:ea typeface="Helvetica Neue"/>
-                <a:cs typeface="Helvetica Neue"/>
-                <a:sym typeface="Helvetica Neue"/>
-              </a:rPr>
-              <a:t>x</a:t>
-            </a:r>
-            <a:r>
-              <a:rPr sz="1600" i="1" baseline="31999">
-                <a:latin typeface="Helvetica Neue"/>
-                <a:ea typeface="Helvetica Neue"/>
-                <a:cs typeface="Helvetica Neue"/>
-                <a:sym typeface="Helvetica Neue"/>
-              </a:rPr>
-              <a:t>2</a:t>
-            </a:r>
-            <a:r>
-              <a:rPr sz="1600"/>
-              <a:t>  type  </a:t>
-            </a:r>
-            <a:r>
-              <a:rPr sz="1600">
-                <a:latin typeface="Courier"/>
-                <a:ea typeface="Courier"/>
-                <a:cs typeface="Courier"/>
-                <a:sym typeface="Courier"/>
-              </a:rPr>
-              <a:t>x**2</a:t>
-            </a:r>
-            <a:endParaRPr sz="1600"/>
-          </a:p>
-          <a:p>
-            <a:pPr marL="0" lvl="1" indent="317500">
-              <a:buSzTx/>
-              <a:buNone/>
-              <a:defRPr sz="1800"/>
-            </a:pPr>
-            <a:r>
-              <a:rPr>
-                <a:latin typeface="Courier"/>
-                <a:ea typeface="Courier"/>
-                <a:cs typeface="Courier"/>
-                <a:sym typeface="Courier"/>
-              </a:rPr>
-              <a:t>&gt;&gt;&gt; </a:t>
-            </a:r>
-            <a:r>
-              <a:rPr>
-                <a:solidFill>
-                  <a:srgbClr val="007D64"/>
-                </a:solidFill>
-                <a:latin typeface="Courier"/>
-                <a:ea typeface="Courier"/>
-                <a:cs typeface="Courier"/>
-                <a:sym typeface="Courier"/>
-              </a:rPr>
-              <a:t>109**2 - (109/2)**2 / 2</a:t>
-            </a:r>
-            <a:br>
-              <a:rPr>
-                <a:latin typeface="Courier"/>
-                <a:ea typeface="Courier"/>
-                <a:cs typeface="Courier"/>
-                <a:sym typeface="Courier"/>
-              </a:rPr>
-            </a:br>
-            <a:r>
-              <a:rPr>
-                <a:latin typeface="Courier"/>
-                <a:ea typeface="Courier"/>
-                <a:cs typeface="Courier"/>
-                <a:sym typeface="Courier"/>
-              </a:rPr>
-              <a:t>10395.875</a:t>
-            </a:r>
-          </a:p>
-        </p:txBody>
-      </p:sp>
-      <p:pic>
-        <p:nvPicPr>
-          <p:cNvPr id="170" name="droppedImage.pdf"/>
-          <p:cNvPicPr/>
-          <p:nvPr/>
-        </p:nvPicPr>
-        <p:blipFill>
-          <a:blip r:embed="rId2">
-            <a:extLst/>
-          </a:blip>
-          <a:stretch>
-            <a:fillRect/>
-          </a:stretch>
-        </p:blipFill>
-        <p:spPr>
-          <a:xfrm>
-            <a:off x="5295900" y="4991100"/>
-            <a:ext cx="3886200" cy="1193800"/>
-          </a:xfrm>
-          <a:prstGeom prst="rect">
-            <a:avLst/>
-          </a:prstGeom>
-          <a:ln w="12700">
-            <a:miter lim="400000"/>
-          </a:ln>
-        </p:spPr>
-      </p:pic>
-      <p:pic>
-        <p:nvPicPr>
-          <p:cNvPr id="171" name="image-180.pdf"/>
-          <p:cNvPicPr/>
-          <p:nvPr/>
-        </p:nvPicPr>
-        <p:blipFill>
-          <a:blip r:embed="rId3">
-            <a:extLst/>
-          </a:blip>
-          <a:stretch>
-            <a:fillRect/>
-          </a:stretch>
-        </p:blipFill>
-        <p:spPr>
-          <a:xfrm>
-            <a:off x="1638300" y="5422900"/>
-            <a:ext cx="2468639" cy="330201"/>
-          </a:xfrm>
-          <a:prstGeom prst="rect">
-            <a:avLst/>
-          </a:prstGeom>
-          <a:ln w="12700">
-            <a:miter lim="400000"/>
-          </a:ln>
-        </p:spPr>
-      </p:pic>
-    </p:spTree>
-  </p:cSld>
-  <p:clrMapOvr>
-    <a:masterClrMapping/>
-  </p:clrMapOvr>
-  <p:transition>
-    <p:dissolve/>
-  </p:transition>
-</p:sld>
-</file>
-
-<file path=ppt/slides/slide9.xml><?xml version="1.0" encoding="utf-8"?>
-<p:sld xmlns:a="http://schemas.openxmlformats.org/drawingml/2006/main" xmlns:r="http://schemas.openxmlformats.org/officeDocument/2006/relationships" xmlns:p="http://schemas.openxmlformats.org/presentationml/2006/main">
-  <p:cSld>
-    <p:spTree>
-      <p:nvGrpSpPr>
-        <p:cNvPr id="1" name=""/>
-        <p:cNvGrpSpPr/>
-        <p:nvPr/>
-      </p:nvGrpSpPr>
-      <p:grpSpPr>
-        <a:xfrm>
-          <a:off x="0" y="0"/>
-          <a:ext cx="0" cy="0"/>
-          <a:chOff x="0" y="0"/>
-          <a:chExt cx="0" cy="0"/>
-        </a:xfrm>
-      </p:grpSpPr>
-      <p:sp>
-        <p:nvSpPr>
-          <p:cNvPr id="173" name="Shape 173"/>
-          <p:cNvSpPr>
-            <a:spLocks noGrp="1"/>
-          </p:cNvSpPr>
-          <p:nvPr>
-            <p:ph type="title"/>
-          </p:nvPr>
-        </p:nvSpPr>
-        <p:spPr>
-          <a:prstGeom prst="rect">
-            <a:avLst/>
-          </a:prstGeom>
-        </p:spPr>
-        <p:txBody>
-          <a:bodyPr/>
-          <a:lstStyle/>
-          <a:p>
-            <a:pPr lvl="0">
-              <a:defRPr sz="1800" b="0">
-                <a:solidFill>
-                  <a:srgbClr val="000000"/>
-                </a:solidFill>
-              </a:defRPr>
-            </a:pPr>
-            <a:r>
-              <a:rPr sz="3600" b="1">
-                <a:solidFill>
-                  <a:srgbClr val="007D64"/>
-                </a:solidFill>
-              </a:rPr>
-              <a:t>Variables in Python</a:t>
-            </a:r>
-          </a:p>
-        </p:txBody>
-      </p:sp>
-      <p:sp>
-        <p:nvSpPr>
-          <p:cNvPr id="174" name="Shape 174"/>
-          <p:cNvSpPr>
-            <a:spLocks noGrp="1"/>
-          </p:cNvSpPr>
-          <p:nvPr>
-            <p:ph type="body" idx="1"/>
-          </p:nvPr>
-        </p:nvSpPr>
-        <p:spPr>
-          <a:xfrm>
-            <a:off x="508000" y="1733550"/>
-            <a:ext cx="8890000" cy="5321300"/>
-          </a:xfrm>
-          <a:prstGeom prst="rect">
-            <a:avLst/>
-          </a:prstGeom>
-        </p:spPr>
-        <p:txBody>
-          <a:bodyPr/>
-          <a:lstStyle/>
-          <a:p>
-            <a:pPr lvl="0">
-              <a:defRPr sz="1800"/>
-            </a:pPr>
-            <a:r>
-              <a:rPr sz="2000"/>
-              <a:t>You can make the equation even simpler by using a </a:t>
-            </a:r>
-            <a:r>
-              <a:rPr sz="2000" b="1" i="1"/>
-              <a:t>variable</a:t>
-            </a:r>
-            <a:endParaRPr sz="2000"/>
-          </a:p>
-          <a:p>
-            <a:pPr lvl="1">
-              <a:defRPr sz="1800"/>
-            </a:pPr>
-            <a:r>
-              <a:rPr sz="1600"/>
-              <a:t>create a value named </a:t>
-            </a:r>
-            <a:r>
-              <a:rPr sz="1600">
-                <a:latin typeface="Courier"/>
-                <a:ea typeface="Courier"/>
-                <a:cs typeface="Courier"/>
-                <a:sym typeface="Courier"/>
-              </a:rPr>
-              <a:t>x</a:t>
-            </a:r>
-            <a:r>
-              <a:rPr sz="1600"/>
-              <a:t>, and then write the equation using </a:t>
-            </a:r>
-            <a:r>
-              <a:rPr sz="1600">
-                <a:latin typeface="Courier"/>
-                <a:ea typeface="Courier"/>
-                <a:cs typeface="Courier"/>
-                <a:sym typeface="Courier"/>
-              </a:rPr>
-              <a:t>x</a:t>
-            </a:r>
-            <a:endParaRPr sz="1600"/>
-          </a:p>
-          <a:p>
-            <a:pPr marL="0" lvl="1" indent="317500">
-              <a:buSzTx/>
-              <a:buNone/>
-              <a:defRPr sz="1800"/>
-            </a:pPr>
-            <a:r>
-              <a:t>&gt;&gt;&gt; x = 109</a:t>
-            </a:r>
-          </a:p>
-          <a:p>
-            <a:pPr marL="0" lvl="1" indent="317500">
-              <a:buSzTx/>
-              <a:buNone/>
-              <a:defRPr sz="1800"/>
-            </a:pPr>
-            <a:r>
-              <a:t>&gt;&gt;&gt; </a:t>
-            </a:r>
-            <a:r>
-              <a:rPr>
-                <a:solidFill>
-                  <a:srgbClr val="007D64"/>
-                </a:solidFill>
-              </a:rPr>
-              <a:t>x**2 - (x/2)**2 / 2</a:t>
-            </a:r>
-            <a:br/>
-            <a:r>
-              <a:t>10395.875</a:t>
-            </a:r>
-            <a:endParaRPr>
-              <a:latin typeface="Courier"/>
-              <a:ea typeface="Courier"/>
-              <a:cs typeface="Courier"/>
-              <a:sym typeface="Courier"/>
-            </a:endParaRPr>
-          </a:p>
-          <a:p>
-            <a:pPr lvl="0">
-              <a:spcBef>
-                <a:spcPts val="4400"/>
-              </a:spcBef>
-              <a:defRPr sz="1800"/>
-            </a:pPr>
-            <a:r>
-              <a:rPr sz="2000"/>
-              <a:t>The first expression defines a variable named </a:t>
-            </a:r>
-            <a:r>
-              <a:rPr sz="2000">
-                <a:latin typeface="Courier"/>
-                <a:ea typeface="Courier"/>
-                <a:cs typeface="Courier"/>
-                <a:sym typeface="Courier"/>
-              </a:rPr>
-              <a:t>x</a:t>
-            </a:r>
-            <a:r>
-              <a:rPr sz="2000"/>
-              <a:t>, and the second uses the value of </a:t>
-            </a:r>
-            <a:r>
-              <a:rPr sz="2000">
-                <a:latin typeface="Courier"/>
-                <a:ea typeface="Courier"/>
-                <a:cs typeface="Courier"/>
-                <a:sym typeface="Courier"/>
-              </a:rPr>
-              <a:t>x</a:t>
-            </a:r>
-            <a:r>
-              <a:rPr sz="2000"/>
-              <a:t> to compute the area</a:t>
-            </a:r>
-          </a:p>
-          <a:p>
-            <a:pPr lvl="0">
-              <a:defRPr sz="1800"/>
-            </a:pPr>
-            <a:r>
-              <a:rPr sz="2000"/>
-              <a:t>An expression of the form “</a:t>
-            </a:r>
-            <a:r>
-              <a:rPr sz="2000">
-                <a:latin typeface="Courier"/>
-                <a:ea typeface="Courier"/>
-                <a:cs typeface="Courier"/>
-                <a:sym typeface="Courier"/>
-              </a:rPr>
-              <a:t>x = ...</a:t>
-            </a:r>
-            <a:r>
-              <a:rPr sz="2000"/>
-              <a:t>” is known as an </a:t>
-            </a:r>
-            <a:r>
-              <a:rPr sz="2000" b="1" i="1"/>
-              <a:t>assignment statement</a:t>
-            </a:r>
-          </a:p>
-          <a:p>
-            <a:pPr lvl="1">
-              <a:defRPr sz="1800"/>
-            </a:pPr>
-            <a:r>
-              <a:rPr sz="1600"/>
-              <a:t>put the name of a variable on the left side of the assignment operator</a:t>
-            </a:r>
-          </a:p>
-          <a:p>
-            <a:pPr lvl="1">
-              <a:defRPr sz="1800"/>
-            </a:pPr>
-            <a:r>
-              <a:rPr sz="1600"/>
-              <a:t>put any expression on the right side</a:t>
-            </a:r>
-          </a:p>
-          <a:p>
-            <a:pPr lvl="1">
-              <a:defRPr sz="1800"/>
-            </a:pPr>
-            <a:r>
-              <a:rPr sz="1600"/>
-              <a:t>Python evaluates the expression and saves the result</a:t>
-            </a:r>
-          </a:p>
-        </p:txBody>
-      </p:sp>
-      <p:pic>
-        <p:nvPicPr>
-          <p:cNvPr id="175" name="droppedImage.pdf"/>
-          <p:cNvPicPr/>
-          <p:nvPr/>
-        </p:nvPicPr>
-        <p:blipFill>
-          <a:blip r:embed="rId2">
-            <a:extLst/>
-          </a:blip>
-          <a:stretch>
-            <a:fillRect/>
-          </a:stretch>
-        </p:blipFill>
-        <p:spPr>
-          <a:xfrm>
-            <a:off x="7454900" y="2387600"/>
             <a:ext cx="1993900" cy="1193800"/>
           </a:xfrm>
           <a:prstGeom prst="rect">
